--- a/docs/blog/te-teste-t-independente/Imagens artigo.pptx
+++ b/docs/blog/te-teste-t-independente/Imagens artigo.pptx
@@ -6,16 +6,17 @@
   </p:sldMasterIdLst>
   <p:sldIdLst>
     <p:sldId id="256" r:id="rId2"/>
-    <p:sldId id="258" r:id="rId3"/>
-    <p:sldId id="260" r:id="rId4"/>
-    <p:sldId id="266" r:id="rId5"/>
-    <p:sldId id="257" r:id="rId6"/>
-    <p:sldId id="259" r:id="rId7"/>
-    <p:sldId id="262" r:id="rId8"/>
-    <p:sldId id="263" r:id="rId9"/>
-    <p:sldId id="264" r:id="rId10"/>
-    <p:sldId id="265" r:id="rId11"/>
-    <p:sldId id="261" r:id="rId12"/>
+    <p:sldId id="267" r:id="rId3"/>
+    <p:sldId id="258" r:id="rId4"/>
+    <p:sldId id="260" r:id="rId5"/>
+    <p:sldId id="266" r:id="rId6"/>
+    <p:sldId id="257" r:id="rId7"/>
+    <p:sldId id="259" r:id="rId8"/>
+    <p:sldId id="262" r:id="rId9"/>
+    <p:sldId id="263" r:id="rId10"/>
+    <p:sldId id="264" r:id="rId11"/>
+    <p:sldId id="265" r:id="rId12"/>
+    <p:sldId id="261" r:id="rId13"/>
   </p:sldIdLst>
   <p:sldSz cx="12192000" cy="6858000"/>
   <p:notesSz cx="6858000" cy="9144000"/>
@@ -269,7 +270,7 @@
           <a:p>
             <a:fld id="{7C0F622F-7936-6B47-B93A-907241A188ED}" type="datetimeFigureOut">
               <a:rPr lang="pt-BR" smtClean="0"/>
-              <a:t>25/02/2025</a:t>
+              <a:t>23/04/2025</a:t>
             </a:fld>
             <a:endParaRPr lang="pt-BR"/>
           </a:p>
@@ -467,7 +468,7 @@
           <a:p>
             <a:fld id="{7C0F622F-7936-6B47-B93A-907241A188ED}" type="datetimeFigureOut">
               <a:rPr lang="pt-BR" smtClean="0"/>
-              <a:t>25/02/2025</a:t>
+              <a:t>23/04/2025</a:t>
             </a:fld>
             <a:endParaRPr lang="pt-BR"/>
           </a:p>
@@ -675,7 +676,7 @@
           <a:p>
             <a:fld id="{7C0F622F-7936-6B47-B93A-907241A188ED}" type="datetimeFigureOut">
               <a:rPr lang="pt-BR" smtClean="0"/>
-              <a:t>25/02/2025</a:t>
+              <a:t>23/04/2025</a:t>
             </a:fld>
             <a:endParaRPr lang="pt-BR"/>
           </a:p>
@@ -873,7 +874,7 @@
           <a:p>
             <a:fld id="{7C0F622F-7936-6B47-B93A-907241A188ED}" type="datetimeFigureOut">
               <a:rPr lang="pt-BR" smtClean="0"/>
-              <a:t>25/02/2025</a:t>
+              <a:t>23/04/2025</a:t>
             </a:fld>
             <a:endParaRPr lang="pt-BR"/>
           </a:p>
@@ -1148,7 +1149,7 @@
           <a:p>
             <a:fld id="{7C0F622F-7936-6B47-B93A-907241A188ED}" type="datetimeFigureOut">
               <a:rPr lang="pt-BR" smtClean="0"/>
-              <a:t>25/02/2025</a:t>
+              <a:t>23/04/2025</a:t>
             </a:fld>
             <a:endParaRPr lang="pt-BR"/>
           </a:p>
@@ -1413,7 +1414,7 @@
           <a:p>
             <a:fld id="{7C0F622F-7936-6B47-B93A-907241A188ED}" type="datetimeFigureOut">
               <a:rPr lang="pt-BR" smtClean="0"/>
-              <a:t>25/02/2025</a:t>
+              <a:t>23/04/2025</a:t>
             </a:fld>
             <a:endParaRPr lang="pt-BR"/>
           </a:p>
@@ -1825,7 +1826,7 @@
           <a:p>
             <a:fld id="{7C0F622F-7936-6B47-B93A-907241A188ED}" type="datetimeFigureOut">
               <a:rPr lang="pt-BR" smtClean="0"/>
-              <a:t>25/02/2025</a:t>
+              <a:t>23/04/2025</a:t>
             </a:fld>
             <a:endParaRPr lang="pt-BR"/>
           </a:p>
@@ -1966,7 +1967,7 @@
           <a:p>
             <a:fld id="{7C0F622F-7936-6B47-B93A-907241A188ED}" type="datetimeFigureOut">
               <a:rPr lang="pt-BR" smtClean="0"/>
-              <a:t>25/02/2025</a:t>
+              <a:t>23/04/2025</a:t>
             </a:fld>
             <a:endParaRPr lang="pt-BR"/>
           </a:p>
@@ -2079,7 +2080,7 @@
           <a:p>
             <a:fld id="{7C0F622F-7936-6B47-B93A-907241A188ED}" type="datetimeFigureOut">
               <a:rPr lang="pt-BR" smtClean="0"/>
-              <a:t>25/02/2025</a:t>
+              <a:t>23/04/2025</a:t>
             </a:fld>
             <a:endParaRPr lang="pt-BR"/>
           </a:p>
@@ -2390,7 +2391,7 @@
           <a:p>
             <a:fld id="{7C0F622F-7936-6B47-B93A-907241A188ED}" type="datetimeFigureOut">
               <a:rPr lang="pt-BR" smtClean="0"/>
-              <a:t>25/02/2025</a:t>
+              <a:t>23/04/2025</a:t>
             </a:fld>
             <a:endParaRPr lang="pt-BR"/>
           </a:p>
@@ -2678,7 +2679,7 @@
           <a:p>
             <a:fld id="{7C0F622F-7936-6B47-B93A-907241A188ED}" type="datetimeFigureOut">
               <a:rPr lang="pt-BR" smtClean="0"/>
-              <a:t>25/02/2025</a:t>
+              <a:t>23/04/2025</a:t>
             </a:fld>
             <a:endParaRPr lang="pt-BR"/>
           </a:p>
@@ -2919,7 +2920,7 @@
           <a:p>
             <a:fld id="{7C0F622F-7936-6B47-B93A-907241A188ED}" type="datetimeFigureOut">
               <a:rPr lang="pt-BR" smtClean="0"/>
-              <a:t>25/02/2025</a:t>
+              <a:t>23/04/2025</a:t>
             </a:fld>
             <a:endParaRPr lang="pt-BR"/>
           </a:p>
@@ -8918,6 +8919,1241 @@
   <p:cSld>
     <p:spTree>
       <p:nvGrpSpPr>
+        <p:cNvPr id="1" name="">
+          <a:extLst>
+            <a:ext uri="{FF2B5EF4-FFF2-40B4-BE49-F238E27FC236}">
+              <a16:creationId xmlns:a16="http://schemas.microsoft.com/office/drawing/2014/main" id="{8A4B33C4-62BE-556F-62C3-D07CAC737044}"/>
+            </a:ext>
+          </a:extLst>
+        </p:cNvPr>
+        <p:cNvGrpSpPr/>
+        <p:nvPr/>
+      </p:nvGrpSpPr>
+      <p:grpSpPr>
+        <a:xfrm>
+          <a:off x="0" y="0"/>
+          <a:ext cx="0" cy="0"/>
+          <a:chOff x="0" y="0"/>
+          <a:chExt cx="0" cy="0"/>
+        </a:xfrm>
+      </p:grpSpPr>
+      <p:sp>
+        <p:nvSpPr>
+          <p:cNvPr id="26" name="Retângulo 25">
+            <a:extLst>
+              <a:ext uri="{FF2B5EF4-FFF2-40B4-BE49-F238E27FC236}">
+                <a16:creationId xmlns:a16="http://schemas.microsoft.com/office/drawing/2014/main" id="{9EFCD973-517B-3C90-6AF5-686ED5C31A87}"/>
+              </a:ext>
+            </a:extLst>
+          </p:cNvPr>
+          <p:cNvSpPr/>
+          <p:nvPr/>
+        </p:nvSpPr>
+        <p:spPr>
+          <a:xfrm>
+            <a:off x="588717" y="2178424"/>
+            <a:ext cx="7398836" cy="1680882"/>
+          </a:xfrm>
+          <a:prstGeom prst="rect">
+            <a:avLst/>
+          </a:prstGeom>
+          <a:solidFill>
+            <a:schemeClr val="bg1"/>
+          </a:solidFill>
+          <a:ln>
+            <a:noFill/>
+          </a:ln>
+        </p:spPr>
+        <p:style>
+          <a:lnRef idx="2">
+            <a:schemeClr val="accent1">
+              <a:shade val="15000"/>
+            </a:schemeClr>
+          </a:lnRef>
+          <a:fillRef idx="1">
+            <a:schemeClr val="accent1"/>
+          </a:fillRef>
+          <a:effectRef idx="0">
+            <a:schemeClr val="accent1"/>
+          </a:effectRef>
+          <a:fontRef idx="minor">
+            <a:schemeClr val="lt1"/>
+          </a:fontRef>
+        </p:style>
+        <p:txBody>
+          <a:bodyPr rtlCol="0" anchor="ctr"/>
+          <a:lstStyle/>
+          <a:p>
+            <a:pPr algn="ctr"/>
+            <a:endParaRPr lang="pt-BR"/>
+          </a:p>
+        </p:txBody>
+      </p:sp>
+      <mc:AlternateContent xmlns:mc="http://schemas.openxmlformats.org/markup-compatibility/2006" xmlns:a14="http://schemas.microsoft.com/office/drawing/2010/main">
+        <mc:Choice Requires="a14">
+          <p:sp>
+            <p:nvSpPr>
+              <p:cNvPr id="7" name="CaixaDeTexto 6">
+                <a:extLst>
+                  <a:ext uri="{FF2B5EF4-FFF2-40B4-BE49-F238E27FC236}">
+                    <a16:creationId xmlns:a16="http://schemas.microsoft.com/office/drawing/2014/main" id="{5E731C06-47E5-8822-721A-444B45E7CC89}"/>
+                  </a:ext>
+                </a:extLst>
+              </p:cNvPr>
+              <p:cNvSpPr txBox="1"/>
+              <p:nvPr/>
+            </p:nvSpPr>
+            <p:spPr>
+              <a:xfrm>
+                <a:off x="4826953" y="2504904"/>
+                <a:ext cx="3052374" cy="994824"/>
+              </a:xfrm>
+              <a:prstGeom prst="rect">
+                <a:avLst/>
+              </a:prstGeom>
+              <a:noFill/>
+            </p:spPr>
+            <p:txBody>
+              <a:bodyPr wrap="none" lIns="0" tIns="0" rIns="0" bIns="0" rtlCol="0">
+                <a:spAutoFit/>
+              </a:bodyPr>
+              <a:lstStyle/>
+              <a:p>
+                <a:pPr/>
+                <a14:m>
+                  <m:oMathPara xmlns:m="http://schemas.openxmlformats.org/officeDocument/2006/math">
+                    <m:oMathParaPr>
+                      <m:jc m:val="centerGroup"/>
+                    </m:oMathParaPr>
+                    <m:oMath xmlns:m="http://schemas.openxmlformats.org/officeDocument/2006/math">
+                      <m:d>
+                        <m:dPr>
+                          <m:ctrlPr>
+                            <a:rPr lang="pt-BR" sz="3200" i="1" smtClean="0">
+                              <a:latin typeface="Cambria Math" panose="02040503050406030204" pitchFamily="18" charset="0"/>
+                            </a:rPr>
+                          </m:ctrlPr>
+                        </m:dPr>
+                        <m:e>
+                          <m:r>
+                            <a:rPr lang="pt-BR" sz="3200" b="0" i="1" smtClean="0">
+                              <a:latin typeface="Cambria Math" panose="02040503050406030204" pitchFamily="18" charset="0"/>
+                            </a:rPr>
+                            <m:t>1−</m:t>
+                          </m:r>
+                          <m:f>
+                            <m:fPr>
+                              <m:ctrlPr>
+                                <a:rPr lang="pt-BR" sz="3200" b="0" i="1" smtClean="0">
+                                  <a:latin typeface="Cambria Math" panose="02040503050406030204" pitchFamily="18" charset="0"/>
+                                </a:rPr>
+                              </m:ctrlPr>
+                            </m:fPr>
+                            <m:num>
+                              <m:r>
+                                <a:rPr lang="pt-BR" sz="3200" b="0" i="1" smtClean="0">
+                                  <a:latin typeface="Cambria Math" panose="02040503050406030204" pitchFamily="18" charset="0"/>
+                                </a:rPr>
+                                <m:t>3</m:t>
+                              </m:r>
+                            </m:num>
+                            <m:den>
+                              <m:r>
+                                <a:rPr lang="pt-BR" sz="3200" b="0" i="1" smtClean="0">
+                                  <a:latin typeface="Cambria Math" panose="02040503050406030204" pitchFamily="18" charset="0"/>
+                                </a:rPr>
+                                <m:t>4</m:t>
+                              </m:r>
+                              <m:d>
+                                <m:dPr>
+                                  <m:ctrlPr>
+                                    <a:rPr lang="pt-BR" sz="3200" b="0" i="1" smtClean="0">
+                                      <a:latin typeface="Cambria Math" panose="02040503050406030204" pitchFamily="18" charset="0"/>
+                                    </a:rPr>
+                                  </m:ctrlPr>
+                                </m:dPr>
+                                <m:e>
+                                  <m:r>
+                                    <a:rPr lang="pt-BR" sz="3200" b="0" i="1" smtClean="0">
+                                      <a:latin typeface="Cambria Math" panose="02040503050406030204" pitchFamily="18" charset="0"/>
+                                    </a:rPr>
+                                    <m:t>+</m:t>
+                                  </m:r>
+                                  <m:r>
+                                    <a:rPr lang="pt-BR" sz="3200" b="0" i="1" smtClean="0">
+                                      <a:latin typeface="Cambria Math" panose="02040503050406030204" pitchFamily="18" charset="0"/>
+                                    </a:rPr>
+                                    <m:t>𝑛</m:t>
+                                  </m:r>
+                                  <m:r>
+                                    <a:rPr lang="pt-BR" sz="3200" b="0" i="1" smtClean="0">
+                                      <a:latin typeface="Cambria Math" panose="02040503050406030204" pitchFamily="18" charset="0"/>
+                                    </a:rPr>
+                                    <m:t>2</m:t>
+                                  </m:r>
+                                </m:e>
+                              </m:d>
+                              <m:r>
+                                <a:rPr lang="pt-BR" sz="3200" b="0" i="1" smtClean="0">
+                                  <a:latin typeface="Cambria Math" panose="02040503050406030204" pitchFamily="18" charset="0"/>
+                                </a:rPr>
+                                <m:t> −</m:t>
+                              </m:r>
+                            </m:den>
+                          </m:f>
+                        </m:e>
+                      </m:d>
+                    </m:oMath>
+                  </m:oMathPara>
+                </a14:m>
+                <a:endParaRPr lang="pt-BR" sz="2400" dirty="0">
+                  <a:latin typeface="Nunito" pitchFamily="2" charset="77"/>
+                </a:endParaRPr>
+              </a:p>
+            </p:txBody>
+          </p:sp>
+        </mc:Choice>
+        <mc:Fallback xmlns="">
+          <p:sp>
+            <p:nvSpPr>
+              <p:cNvPr id="7" name="CaixaDeTexto 6">
+                <a:extLst>
+                  <a:ext uri="{FF2B5EF4-FFF2-40B4-BE49-F238E27FC236}">
+                    <a16:creationId xmlns:a16="http://schemas.microsoft.com/office/drawing/2014/main" id="{5E731C06-47E5-8822-721A-444B45E7CC89}"/>
+                  </a:ext>
+                </a:extLst>
+              </p:cNvPr>
+              <p:cNvSpPr txBox="1">
+                <a:spLocks noRot="1" noChangeAspect="1" noMove="1" noResize="1" noEditPoints="1" noAdjustHandles="1" noChangeArrowheads="1" noChangeShapeType="1" noTextEdit="1"/>
+              </p:cNvSpPr>
+              <p:nvPr/>
+            </p:nvSpPr>
+            <p:spPr>
+              <a:xfrm>
+                <a:off x="4826953" y="2504904"/>
+                <a:ext cx="3052374" cy="994824"/>
+              </a:xfrm>
+              <a:prstGeom prst="rect">
+                <a:avLst/>
+              </a:prstGeom>
+              <a:blipFill>
+                <a:blip r:embed="rId2"/>
+                <a:stretch>
+                  <a:fillRect t="-1266" b="-20253"/>
+                </a:stretch>
+              </a:blipFill>
+            </p:spPr>
+            <p:txBody>
+              <a:bodyPr/>
+              <a:lstStyle/>
+              <a:p>
+                <a:r>
+                  <a:rPr lang="pt-BR">
+                    <a:noFill/>
+                  </a:rPr>
+                  <a:t> </a:t>
+                </a:r>
+              </a:p>
+            </p:txBody>
+          </p:sp>
+        </mc:Fallback>
+      </mc:AlternateContent>
+      <p:sp>
+        <p:nvSpPr>
+          <p:cNvPr id="39" name="Retângulo 38">
+            <a:extLst>
+              <a:ext uri="{FF2B5EF4-FFF2-40B4-BE49-F238E27FC236}">
+                <a16:creationId xmlns:a16="http://schemas.microsoft.com/office/drawing/2014/main" id="{143742CC-4939-F525-3D9C-5A5986F07927}"/>
+              </a:ext>
+            </a:extLst>
+          </p:cNvPr>
+          <p:cNvSpPr/>
+          <p:nvPr/>
+        </p:nvSpPr>
+        <p:spPr>
+          <a:xfrm>
+            <a:off x="5122734" y="2504905"/>
+            <a:ext cx="2460812" cy="1061568"/>
+          </a:xfrm>
+          <a:prstGeom prst="rect">
+            <a:avLst/>
+          </a:prstGeom>
+          <a:solidFill>
+            <a:schemeClr val="bg1"/>
+          </a:solidFill>
+          <a:ln>
+            <a:noFill/>
+          </a:ln>
+        </p:spPr>
+        <p:style>
+          <a:lnRef idx="2">
+            <a:schemeClr val="accent1">
+              <a:shade val="15000"/>
+            </a:schemeClr>
+          </a:lnRef>
+          <a:fillRef idx="1">
+            <a:schemeClr val="accent1"/>
+          </a:fillRef>
+          <a:effectRef idx="0">
+            <a:schemeClr val="accent1"/>
+          </a:effectRef>
+          <a:fontRef idx="minor">
+            <a:schemeClr val="lt1"/>
+          </a:fontRef>
+        </p:style>
+        <p:txBody>
+          <a:bodyPr rtlCol="0" anchor="ctr"/>
+          <a:lstStyle/>
+          <a:p>
+            <a:pPr algn="ctr"/>
+            <a:endParaRPr lang="pt-BR"/>
+          </a:p>
+        </p:txBody>
+      </p:sp>
+      <p:sp>
+        <p:nvSpPr>
+          <p:cNvPr id="8" name="CaixaDeTexto 7">
+            <a:extLst>
+              <a:ext uri="{FF2B5EF4-FFF2-40B4-BE49-F238E27FC236}">
+                <a16:creationId xmlns:a16="http://schemas.microsoft.com/office/drawing/2014/main" id="{648181DE-9D15-16C4-1783-1FB7E32D5631}"/>
+              </a:ext>
+            </a:extLst>
+          </p:cNvPr>
+          <p:cNvSpPr txBox="1"/>
+          <p:nvPr/>
+        </p:nvSpPr>
+        <p:spPr>
+          <a:xfrm>
+            <a:off x="815627" y="2797888"/>
+            <a:ext cx="4908716" cy="461665"/>
+          </a:xfrm>
+          <a:prstGeom prst="rect">
+            <a:avLst/>
+          </a:prstGeom>
+          <a:noFill/>
+        </p:spPr>
+        <p:txBody>
+          <a:bodyPr wrap="none" rtlCol="0">
+            <a:spAutoFit/>
+          </a:bodyPr>
+          <a:lstStyle/>
+          <a:p>
+            <a:r>
+              <a:rPr lang="pt-BR" sz="2400" dirty="0" err="1">
+                <a:latin typeface="Nunito" pitchFamily="2" charset="77"/>
+              </a:rPr>
+              <a:t>g</a:t>
+            </a:r>
+            <a:r>
+              <a:rPr lang="pt-BR" sz="2400" dirty="0">
+                <a:latin typeface="Nunito" pitchFamily="2" charset="77"/>
+              </a:rPr>
+              <a:t> de Hedges = </a:t>
+            </a:r>
+            <a:r>
+              <a:rPr lang="pt-BR" sz="2400" dirty="0" err="1">
+                <a:latin typeface="Nunito" pitchFamily="2" charset="77"/>
+              </a:rPr>
+              <a:t>d</a:t>
+            </a:r>
+            <a:r>
+              <a:rPr lang="pt-BR" sz="2400" dirty="0">
+                <a:latin typeface="Nunito" pitchFamily="2" charset="77"/>
+              </a:rPr>
+              <a:t> de Cohen </a:t>
+            </a:r>
+            <a:r>
+              <a:rPr lang="pt-BR" sz="2400" dirty="0" err="1">
+                <a:latin typeface="Nunito" pitchFamily="2" charset="77"/>
+              </a:rPr>
+              <a:t>x</a:t>
+            </a:r>
+            <a:r>
+              <a:rPr lang="pt-BR" sz="2400" dirty="0">
+                <a:latin typeface="Nunito" pitchFamily="2" charset="77"/>
+              </a:rPr>
+              <a:t>    1 – </a:t>
+            </a:r>
+          </a:p>
+        </p:txBody>
+      </p:sp>
+      <p:sp>
+        <p:nvSpPr>
+          <p:cNvPr id="40" name="Retângulo 39">
+            <a:extLst>
+              <a:ext uri="{FF2B5EF4-FFF2-40B4-BE49-F238E27FC236}">
+                <a16:creationId xmlns:a16="http://schemas.microsoft.com/office/drawing/2014/main" id="{F8A06930-72D3-F74B-0B18-D59CA6CB814F}"/>
+              </a:ext>
+            </a:extLst>
+          </p:cNvPr>
+          <p:cNvSpPr/>
+          <p:nvPr/>
+        </p:nvSpPr>
+        <p:spPr>
+          <a:xfrm>
+            <a:off x="6763871" y="2865947"/>
+            <a:ext cx="934194" cy="213429"/>
+          </a:xfrm>
+          <a:prstGeom prst="rect">
+            <a:avLst/>
+          </a:prstGeom>
+          <a:solidFill>
+            <a:schemeClr val="bg1"/>
+          </a:solidFill>
+          <a:ln>
+            <a:noFill/>
+          </a:ln>
+        </p:spPr>
+        <p:style>
+          <a:lnRef idx="2">
+            <a:schemeClr val="accent1">
+              <a:shade val="15000"/>
+            </a:schemeClr>
+          </a:lnRef>
+          <a:fillRef idx="1">
+            <a:schemeClr val="accent1"/>
+          </a:fillRef>
+          <a:effectRef idx="0">
+            <a:schemeClr val="accent1"/>
+          </a:effectRef>
+          <a:fontRef idx="minor">
+            <a:schemeClr val="lt1"/>
+          </a:fontRef>
+        </p:style>
+        <p:txBody>
+          <a:bodyPr rtlCol="0" anchor="ctr"/>
+          <a:lstStyle/>
+          <a:p>
+            <a:pPr algn="ctr"/>
+            <a:endParaRPr lang="pt-BR"/>
+          </a:p>
+        </p:txBody>
+      </p:sp>
+      <p:grpSp>
+        <p:nvGrpSpPr>
+          <p:cNvPr id="38" name="Agrupar 37">
+            <a:extLst>
+              <a:ext uri="{FF2B5EF4-FFF2-40B4-BE49-F238E27FC236}">
+                <a16:creationId xmlns:a16="http://schemas.microsoft.com/office/drawing/2014/main" id="{F3E3777A-6A50-542B-08F3-348FD728CB06}"/>
+              </a:ext>
+            </a:extLst>
+          </p:cNvPr>
+          <p:cNvGrpSpPr/>
+          <p:nvPr/>
+        </p:nvGrpSpPr>
+        <p:grpSpPr>
+          <a:xfrm>
+            <a:off x="5565860" y="2591491"/>
+            <a:ext cx="2109873" cy="923330"/>
+            <a:chOff x="5592754" y="2607395"/>
+            <a:chExt cx="2109873" cy="923330"/>
+          </a:xfrm>
+        </p:grpSpPr>
+        <p:sp>
+          <p:nvSpPr>
+            <p:cNvPr id="9" name="CaixaDeTexto 8">
+              <a:extLst>
+                <a:ext uri="{FF2B5EF4-FFF2-40B4-BE49-F238E27FC236}">
+                  <a16:creationId xmlns:a16="http://schemas.microsoft.com/office/drawing/2014/main" id="{90794A5A-BB17-D7EE-5F83-99B3178B4D14}"/>
+                </a:ext>
+              </a:extLst>
+            </p:cNvPr>
+            <p:cNvSpPr txBox="1"/>
+            <p:nvPr/>
+          </p:nvSpPr>
+          <p:spPr>
+            <a:xfrm>
+              <a:off x="6455555" y="2607395"/>
+              <a:ext cx="369012" cy="461665"/>
+            </a:xfrm>
+            <a:prstGeom prst="rect">
+              <a:avLst/>
+            </a:prstGeom>
+            <a:noFill/>
+          </p:spPr>
+          <p:txBody>
+            <a:bodyPr wrap="none" rtlCol="0">
+              <a:spAutoFit/>
+            </a:bodyPr>
+            <a:lstStyle/>
+            <a:p>
+              <a:r>
+                <a:rPr lang="pt-BR" sz="2400" dirty="0">
+                  <a:latin typeface="Nunito" pitchFamily="2" charset="77"/>
+                </a:rPr>
+                <a:t>3</a:t>
+              </a:r>
+              <a:endParaRPr lang="pt-BR" sz="2400" baseline="-25000" dirty="0">
+                <a:latin typeface="Nunito" pitchFamily="2" charset="77"/>
+              </a:endParaRPr>
+            </a:p>
+          </p:txBody>
+        </p:sp>
+        <p:sp>
+          <p:nvSpPr>
+            <p:cNvPr id="10" name="CaixaDeTexto 9">
+              <a:extLst>
+                <a:ext uri="{FF2B5EF4-FFF2-40B4-BE49-F238E27FC236}">
+                  <a16:creationId xmlns:a16="http://schemas.microsoft.com/office/drawing/2014/main" id="{031C4B53-275C-7045-9559-807A2FDE002E}"/>
+                </a:ext>
+              </a:extLst>
+            </p:cNvPr>
+            <p:cNvSpPr txBox="1"/>
+            <p:nvPr/>
+          </p:nvSpPr>
+          <p:spPr>
+            <a:xfrm>
+              <a:off x="5592754" y="3069060"/>
+              <a:ext cx="2109873" cy="461665"/>
+            </a:xfrm>
+            <a:prstGeom prst="rect">
+              <a:avLst/>
+            </a:prstGeom>
+            <a:noFill/>
+          </p:spPr>
+          <p:txBody>
+            <a:bodyPr wrap="none" rtlCol="0">
+              <a:spAutoFit/>
+            </a:bodyPr>
+            <a:lstStyle/>
+            <a:p>
+              <a:r>
+                <a:rPr lang="pt-BR" sz="2400" dirty="0">
+                  <a:latin typeface="Nunito" pitchFamily="2" charset="77"/>
+                </a:rPr>
+                <a:t>4(</a:t>
+              </a:r>
+              <a:r>
+                <a:rPr lang="pt-BR" sz="2400" dirty="0" err="1">
+                  <a:latin typeface="Nunito" pitchFamily="2" charset="77"/>
+                </a:rPr>
+                <a:t>n</a:t>
+              </a:r>
+              <a:r>
+                <a:rPr lang="pt-BR" sz="2400" baseline="-25000" dirty="0" err="1">
+                  <a:latin typeface="Nunito" pitchFamily="2" charset="77"/>
+                </a:rPr>
+                <a:t>A</a:t>
+              </a:r>
+              <a:r>
+                <a:rPr lang="pt-BR" sz="2400" dirty="0">
+                  <a:latin typeface="Nunito" pitchFamily="2" charset="77"/>
+                </a:rPr>
+                <a:t> + </a:t>
+              </a:r>
+              <a:r>
+                <a:rPr lang="pt-BR" sz="2400" dirty="0" err="1">
+                  <a:latin typeface="Nunito" pitchFamily="2" charset="77"/>
+                </a:rPr>
+                <a:t>n</a:t>
+              </a:r>
+              <a:r>
+                <a:rPr lang="pt-BR" sz="2400" baseline="-25000" dirty="0" err="1">
+                  <a:latin typeface="Nunito" pitchFamily="2" charset="77"/>
+                </a:rPr>
+                <a:t>B</a:t>
+              </a:r>
+              <a:r>
+                <a:rPr lang="pt-BR" sz="2400" dirty="0">
+                  <a:latin typeface="Nunito" pitchFamily="2" charset="77"/>
+                </a:rPr>
+                <a:t>) – 9</a:t>
+              </a:r>
+              <a:endParaRPr lang="pt-BR" sz="2400" baseline="-25000" dirty="0">
+                <a:latin typeface="Nunito" pitchFamily="2" charset="77"/>
+              </a:endParaRPr>
+            </a:p>
+          </p:txBody>
+        </p:sp>
+        <p:cxnSp>
+          <p:nvCxnSpPr>
+            <p:cNvPr id="12" name="Conector Reto 11">
+              <a:extLst>
+                <a:ext uri="{FF2B5EF4-FFF2-40B4-BE49-F238E27FC236}">
+                  <a16:creationId xmlns:a16="http://schemas.microsoft.com/office/drawing/2014/main" id="{34B842D0-A041-E515-FE37-4A4B69CCB7D3}"/>
+                </a:ext>
+              </a:extLst>
+            </p:cNvPr>
+            <p:cNvCxnSpPr>
+              <a:cxnSpLocks/>
+            </p:cNvCxnSpPr>
+            <p:nvPr/>
+          </p:nvCxnSpPr>
+          <p:spPr>
+            <a:xfrm>
+              <a:off x="5617901" y="3042168"/>
+              <a:ext cx="2044321" cy="0"/>
+            </a:xfrm>
+            <a:prstGeom prst="line">
+              <a:avLst/>
+            </a:prstGeom>
+            <a:ln w="28575">
+              <a:solidFill>
+                <a:schemeClr val="tx1"/>
+              </a:solidFill>
+            </a:ln>
+          </p:spPr>
+          <p:style>
+            <a:lnRef idx="1">
+              <a:schemeClr val="accent1"/>
+            </a:lnRef>
+            <a:fillRef idx="0">
+              <a:schemeClr val="accent1"/>
+            </a:fillRef>
+            <a:effectRef idx="0">
+              <a:schemeClr val="accent1"/>
+            </a:effectRef>
+            <a:fontRef idx="minor">
+              <a:schemeClr val="tx1"/>
+            </a:fontRef>
+          </p:style>
+        </p:cxnSp>
+      </p:grpSp>
+      <p:grpSp>
+        <p:nvGrpSpPr>
+          <p:cNvPr id="41" name="Agrupar 40">
+            <a:extLst>
+              <a:ext uri="{FF2B5EF4-FFF2-40B4-BE49-F238E27FC236}">
+                <a16:creationId xmlns:a16="http://schemas.microsoft.com/office/drawing/2014/main" id="{A17C8957-18D0-628D-E20F-39D02C413E40}"/>
+              </a:ext>
+            </a:extLst>
+          </p:cNvPr>
+          <p:cNvGrpSpPr/>
+          <p:nvPr/>
+        </p:nvGrpSpPr>
+        <p:grpSpPr>
+          <a:xfrm>
+            <a:off x="1962518" y="951934"/>
+            <a:ext cx="3628489" cy="959494"/>
+            <a:chOff x="7121347" y="674883"/>
+            <a:chExt cx="3628489" cy="959494"/>
+          </a:xfrm>
+        </p:grpSpPr>
+        <p:sp>
+          <p:nvSpPr>
+            <p:cNvPr id="42" name="CaixaDeTexto 41">
+              <a:extLst>
+                <a:ext uri="{FF2B5EF4-FFF2-40B4-BE49-F238E27FC236}">
+                  <a16:creationId xmlns:a16="http://schemas.microsoft.com/office/drawing/2014/main" id="{59A6D229-5B6D-66A1-B5F9-A5DBFEF45886}"/>
+                </a:ext>
+              </a:extLst>
+            </p:cNvPr>
+            <p:cNvSpPr txBox="1"/>
+            <p:nvPr/>
+          </p:nvSpPr>
+          <p:spPr>
+            <a:xfrm>
+              <a:off x="7121347" y="905716"/>
+              <a:ext cx="1130438" cy="461665"/>
+            </a:xfrm>
+            <a:prstGeom prst="rect">
+              <a:avLst/>
+            </a:prstGeom>
+            <a:noFill/>
+          </p:spPr>
+          <p:txBody>
+            <a:bodyPr wrap="none" rtlCol="0">
+              <a:spAutoFit/>
+            </a:bodyPr>
+            <a:lstStyle/>
+            <a:p>
+              <a:r>
+                <a:rPr lang="pt-BR" sz="2400" dirty="0">
+                  <a:latin typeface="Nunito" pitchFamily="2" charset="77"/>
+                </a:rPr>
+                <a:t>delta =</a:t>
+              </a:r>
+            </a:p>
+          </p:txBody>
+        </p:sp>
+        <p:sp>
+          <p:nvSpPr>
+            <p:cNvPr id="43" name="CaixaDeTexto 42">
+              <a:extLst>
+                <a:ext uri="{FF2B5EF4-FFF2-40B4-BE49-F238E27FC236}">
+                  <a16:creationId xmlns:a16="http://schemas.microsoft.com/office/drawing/2014/main" id="{DA549154-8B22-CD05-4E05-CD1EBA762F29}"/>
+                </a:ext>
+              </a:extLst>
+            </p:cNvPr>
+            <p:cNvSpPr txBox="1"/>
+            <p:nvPr/>
+          </p:nvSpPr>
+          <p:spPr>
+            <a:xfrm>
+              <a:off x="8274478" y="674883"/>
+              <a:ext cx="2456122" cy="461665"/>
+            </a:xfrm>
+            <a:prstGeom prst="rect">
+              <a:avLst/>
+            </a:prstGeom>
+            <a:noFill/>
+          </p:spPr>
+          <p:txBody>
+            <a:bodyPr wrap="none" rtlCol="0">
+              <a:spAutoFit/>
+            </a:bodyPr>
+            <a:lstStyle/>
+            <a:p>
+              <a:r>
+                <a:rPr lang="pt-BR" sz="2400" dirty="0" err="1">
+                  <a:latin typeface="Nunito" pitchFamily="2" charset="77"/>
+                </a:rPr>
+                <a:t>Média</a:t>
+              </a:r>
+              <a:r>
+                <a:rPr lang="pt-BR" sz="2400" baseline="-25000" dirty="0" err="1">
+                  <a:latin typeface="Nunito" pitchFamily="2" charset="77"/>
+                </a:rPr>
+                <a:t>A</a:t>
+              </a:r>
+              <a:r>
+                <a:rPr lang="pt-BR" sz="2400" dirty="0">
+                  <a:latin typeface="Nunito" pitchFamily="2" charset="77"/>
+                </a:rPr>
+                <a:t> – </a:t>
+              </a:r>
+              <a:r>
+                <a:rPr lang="pt-BR" sz="2400" dirty="0" err="1">
+                  <a:latin typeface="Nunito" pitchFamily="2" charset="77"/>
+                </a:rPr>
+                <a:t>Média</a:t>
+              </a:r>
+              <a:r>
+                <a:rPr lang="pt-BR" sz="2400" baseline="-25000" dirty="0" err="1">
+                  <a:latin typeface="Nunito" pitchFamily="2" charset="77"/>
+                </a:rPr>
+                <a:t>B</a:t>
+              </a:r>
+              <a:endParaRPr lang="pt-BR" sz="2400" baseline="-25000" dirty="0">
+                <a:latin typeface="Nunito" pitchFamily="2" charset="77"/>
+              </a:endParaRPr>
+            </a:p>
+          </p:txBody>
+        </p:sp>
+        <p:sp>
+          <p:nvSpPr>
+            <p:cNvPr id="44" name="CaixaDeTexto 43">
+              <a:extLst>
+                <a:ext uri="{FF2B5EF4-FFF2-40B4-BE49-F238E27FC236}">
+                  <a16:creationId xmlns:a16="http://schemas.microsoft.com/office/drawing/2014/main" id="{62052191-6E31-5B11-9050-A53B6112685F}"/>
+                </a:ext>
+              </a:extLst>
+            </p:cNvPr>
+            <p:cNvSpPr txBox="1"/>
+            <p:nvPr/>
+          </p:nvSpPr>
+          <p:spPr>
+            <a:xfrm>
+              <a:off x="8805874" y="1172712"/>
+              <a:ext cx="1393330" cy="461665"/>
+            </a:xfrm>
+            <a:prstGeom prst="rect">
+              <a:avLst/>
+            </a:prstGeom>
+            <a:noFill/>
+          </p:spPr>
+          <p:txBody>
+            <a:bodyPr wrap="none" rtlCol="0">
+              <a:spAutoFit/>
+            </a:bodyPr>
+            <a:lstStyle/>
+            <a:p>
+              <a:r>
+                <a:rPr lang="pt-BR" sz="2400" dirty="0" err="1">
+                  <a:latin typeface="Nunito" pitchFamily="2" charset="77"/>
+                </a:rPr>
+                <a:t>DP</a:t>
+              </a:r>
+              <a:r>
+                <a:rPr lang="pt-BR" sz="2400" baseline="-25000" dirty="0" err="1">
+                  <a:latin typeface="Nunito" pitchFamily="2" charset="77"/>
+                </a:rPr>
+                <a:t>Controle</a:t>
+              </a:r>
+              <a:endParaRPr lang="pt-BR" sz="2400" baseline="-25000" dirty="0">
+                <a:latin typeface="Nunito" pitchFamily="2" charset="77"/>
+              </a:endParaRPr>
+            </a:p>
+          </p:txBody>
+        </p:sp>
+        <p:cxnSp>
+          <p:nvCxnSpPr>
+            <p:cNvPr id="45" name="Conector Reto 44">
+              <a:extLst>
+                <a:ext uri="{FF2B5EF4-FFF2-40B4-BE49-F238E27FC236}">
+                  <a16:creationId xmlns:a16="http://schemas.microsoft.com/office/drawing/2014/main" id="{B004F986-1710-2B72-1098-A4026CF91204}"/>
+                </a:ext>
+              </a:extLst>
+            </p:cNvPr>
+            <p:cNvCxnSpPr>
+              <a:cxnSpLocks/>
+            </p:cNvCxnSpPr>
+            <p:nvPr/>
+          </p:nvCxnSpPr>
+          <p:spPr>
+            <a:xfrm flipV="1">
+              <a:off x="8274478" y="1149995"/>
+              <a:ext cx="2475358" cy="1"/>
+            </a:xfrm>
+            <a:prstGeom prst="line">
+              <a:avLst/>
+            </a:prstGeom>
+            <a:ln w="28575">
+              <a:solidFill>
+                <a:schemeClr val="tx1"/>
+              </a:solidFill>
+            </a:ln>
+          </p:spPr>
+          <p:style>
+            <a:lnRef idx="1">
+              <a:schemeClr val="accent1"/>
+            </a:lnRef>
+            <a:fillRef idx="0">
+              <a:schemeClr val="accent1"/>
+            </a:fillRef>
+            <a:effectRef idx="0">
+              <a:schemeClr val="accent1"/>
+            </a:effectRef>
+            <a:fontRef idx="minor">
+              <a:schemeClr val="tx1"/>
+            </a:fontRef>
+          </p:style>
+        </p:cxnSp>
+      </p:grpSp>
+      <p:grpSp>
+        <p:nvGrpSpPr>
+          <p:cNvPr id="46" name="Agrupar 45">
+            <a:extLst>
+              <a:ext uri="{FF2B5EF4-FFF2-40B4-BE49-F238E27FC236}">
+                <a16:creationId xmlns:a16="http://schemas.microsoft.com/office/drawing/2014/main" id="{2FD58DB9-4B8D-9B55-EF67-5D156B576C3E}"/>
+              </a:ext>
+            </a:extLst>
+          </p:cNvPr>
+          <p:cNvGrpSpPr/>
+          <p:nvPr/>
+        </p:nvGrpSpPr>
+        <p:grpSpPr>
+          <a:xfrm>
+            <a:off x="1396167" y="4718529"/>
+            <a:ext cx="3628489" cy="964246"/>
+            <a:chOff x="7121347" y="674883"/>
+            <a:chExt cx="3628489" cy="964246"/>
+          </a:xfrm>
+        </p:grpSpPr>
+        <p:sp>
+          <p:nvSpPr>
+            <p:cNvPr id="47" name="CaixaDeTexto 46">
+              <a:extLst>
+                <a:ext uri="{FF2B5EF4-FFF2-40B4-BE49-F238E27FC236}">
+                  <a16:creationId xmlns:a16="http://schemas.microsoft.com/office/drawing/2014/main" id="{6DEA3610-DAFF-63C7-1212-84D205FB5C72}"/>
+                </a:ext>
+              </a:extLst>
+            </p:cNvPr>
+            <p:cNvSpPr txBox="1"/>
+            <p:nvPr/>
+          </p:nvSpPr>
+          <p:spPr>
+            <a:xfrm>
+              <a:off x="7121347" y="905716"/>
+              <a:ext cx="1130438" cy="461665"/>
+            </a:xfrm>
+            <a:prstGeom prst="rect">
+              <a:avLst/>
+            </a:prstGeom>
+            <a:noFill/>
+          </p:spPr>
+          <p:txBody>
+            <a:bodyPr wrap="none" rtlCol="0">
+              <a:spAutoFit/>
+            </a:bodyPr>
+            <a:lstStyle/>
+            <a:p>
+              <a:r>
+                <a:rPr lang="pt-BR" sz="2400" dirty="0">
+                  <a:latin typeface="Nunito" pitchFamily="2" charset="77"/>
+                </a:rPr>
+                <a:t>delta =</a:t>
+              </a:r>
+            </a:p>
+          </p:txBody>
+        </p:sp>
+        <p:sp>
+          <p:nvSpPr>
+            <p:cNvPr id="48" name="CaixaDeTexto 47">
+              <a:extLst>
+                <a:ext uri="{FF2B5EF4-FFF2-40B4-BE49-F238E27FC236}">
+                  <a16:creationId xmlns:a16="http://schemas.microsoft.com/office/drawing/2014/main" id="{BF338067-6BEF-C3CB-991C-D3997B68467F}"/>
+                </a:ext>
+              </a:extLst>
+            </p:cNvPr>
+            <p:cNvSpPr txBox="1"/>
+            <p:nvPr/>
+          </p:nvSpPr>
+          <p:spPr>
+            <a:xfrm>
+              <a:off x="8274478" y="674883"/>
+              <a:ext cx="2456122" cy="461665"/>
+            </a:xfrm>
+            <a:prstGeom prst="rect">
+              <a:avLst/>
+            </a:prstGeom>
+            <a:noFill/>
+          </p:spPr>
+          <p:txBody>
+            <a:bodyPr wrap="none" rtlCol="0">
+              <a:spAutoFit/>
+            </a:bodyPr>
+            <a:lstStyle/>
+            <a:p>
+              <a:r>
+                <a:rPr lang="pt-BR" sz="2400" dirty="0" err="1">
+                  <a:latin typeface="Nunito" pitchFamily="2" charset="77"/>
+                </a:rPr>
+                <a:t>Média</a:t>
+              </a:r>
+              <a:r>
+                <a:rPr lang="pt-BR" sz="2400" baseline="-25000" dirty="0" err="1">
+                  <a:latin typeface="Nunito" pitchFamily="2" charset="77"/>
+                </a:rPr>
+                <a:t>A</a:t>
+              </a:r>
+              <a:r>
+                <a:rPr lang="pt-BR" sz="2400" dirty="0">
+                  <a:latin typeface="Nunito" pitchFamily="2" charset="77"/>
+                </a:rPr>
+                <a:t> – </a:t>
+              </a:r>
+              <a:r>
+                <a:rPr lang="pt-BR" sz="2400" dirty="0" err="1">
+                  <a:latin typeface="Nunito" pitchFamily="2" charset="77"/>
+                </a:rPr>
+                <a:t>Média</a:t>
+              </a:r>
+              <a:r>
+                <a:rPr lang="pt-BR" sz="2400" baseline="-25000" dirty="0" err="1">
+                  <a:latin typeface="Nunito" pitchFamily="2" charset="77"/>
+                </a:rPr>
+                <a:t>B</a:t>
+              </a:r>
+              <a:endParaRPr lang="pt-BR" sz="2400" baseline="-25000" dirty="0">
+                <a:latin typeface="Nunito" pitchFamily="2" charset="77"/>
+              </a:endParaRPr>
+            </a:p>
+          </p:txBody>
+        </p:sp>
+        <p:sp>
+          <p:nvSpPr>
+            <p:cNvPr id="49" name="CaixaDeTexto 48">
+              <a:extLst>
+                <a:ext uri="{FF2B5EF4-FFF2-40B4-BE49-F238E27FC236}">
+                  <a16:creationId xmlns:a16="http://schemas.microsoft.com/office/drawing/2014/main" id="{9E01184B-85BD-BEC6-01C6-9E721DCFF702}"/>
+                </a:ext>
+              </a:extLst>
+            </p:cNvPr>
+            <p:cNvSpPr txBox="1"/>
+            <p:nvPr/>
+          </p:nvSpPr>
+          <p:spPr>
+            <a:xfrm>
+              <a:off x="9132085" y="1177464"/>
+              <a:ext cx="760144" cy="461665"/>
+            </a:xfrm>
+            <a:prstGeom prst="rect">
+              <a:avLst/>
+            </a:prstGeom>
+            <a:noFill/>
+          </p:spPr>
+          <p:txBody>
+            <a:bodyPr wrap="none" rtlCol="0">
+              <a:spAutoFit/>
+            </a:bodyPr>
+            <a:lstStyle/>
+            <a:p>
+              <a:r>
+                <a:rPr lang="pt-BR" sz="2400" dirty="0">
+                  <a:latin typeface="Nunito" pitchFamily="2" charset="77"/>
+                </a:rPr>
+                <a:t>DP</a:t>
+              </a:r>
+              <a:r>
+                <a:rPr lang="pt-BR" sz="2400" baseline="-25000" dirty="0">
+                  <a:latin typeface="Nunito" pitchFamily="2" charset="77"/>
+                </a:rPr>
+                <a:t>A</a:t>
+              </a:r>
+            </a:p>
+          </p:txBody>
+        </p:sp>
+        <p:cxnSp>
+          <p:nvCxnSpPr>
+            <p:cNvPr id="50" name="Conector Reto 49">
+              <a:extLst>
+                <a:ext uri="{FF2B5EF4-FFF2-40B4-BE49-F238E27FC236}">
+                  <a16:creationId xmlns:a16="http://schemas.microsoft.com/office/drawing/2014/main" id="{21D7CE4E-D7F2-9A03-1AD2-4B358DD13F1D}"/>
+                </a:ext>
+              </a:extLst>
+            </p:cNvPr>
+            <p:cNvCxnSpPr>
+              <a:cxnSpLocks/>
+            </p:cNvCxnSpPr>
+            <p:nvPr/>
+          </p:nvCxnSpPr>
+          <p:spPr>
+            <a:xfrm flipV="1">
+              <a:off x="8274478" y="1149995"/>
+              <a:ext cx="2475358" cy="1"/>
+            </a:xfrm>
+            <a:prstGeom prst="line">
+              <a:avLst/>
+            </a:prstGeom>
+            <a:ln w="28575">
+              <a:solidFill>
+                <a:schemeClr val="tx1"/>
+              </a:solidFill>
+            </a:ln>
+          </p:spPr>
+          <p:style>
+            <a:lnRef idx="1">
+              <a:schemeClr val="accent1"/>
+            </a:lnRef>
+            <a:fillRef idx="0">
+              <a:schemeClr val="accent1"/>
+            </a:fillRef>
+            <a:effectRef idx="0">
+              <a:schemeClr val="accent1"/>
+            </a:effectRef>
+            <a:fontRef idx="minor">
+              <a:schemeClr val="tx1"/>
+            </a:fontRef>
+          </p:style>
+        </p:cxnSp>
+      </p:grpSp>
+      <p:grpSp>
+        <p:nvGrpSpPr>
+          <p:cNvPr id="51" name="Agrupar 50">
+            <a:extLst>
+              <a:ext uri="{FF2B5EF4-FFF2-40B4-BE49-F238E27FC236}">
+                <a16:creationId xmlns:a16="http://schemas.microsoft.com/office/drawing/2014/main" id="{F52A49A7-53EE-B435-5773-3418DDD6C5B8}"/>
+              </a:ext>
+            </a:extLst>
+          </p:cNvPr>
+          <p:cNvGrpSpPr/>
+          <p:nvPr/>
+        </p:nvGrpSpPr>
+        <p:grpSpPr>
+          <a:xfrm>
+            <a:off x="6428661" y="4718529"/>
+            <a:ext cx="3628489" cy="964246"/>
+            <a:chOff x="7121347" y="674883"/>
+            <a:chExt cx="3628489" cy="964246"/>
+          </a:xfrm>
+        </p:grpSpPr>
+        <p:sp>
+          <p:nvSpPr>
+            <p:cNvPr id="52" name="CaixaDeTexto 51">
+              <a:extLst>
+                <a:ext uri="{FF2B5EF4-FFF2-40B4-BE49-F238E27FC236}">
+                  <a16:creationId xmlns:a16="http://schemas.microsoft.com/office/drawing/2014/main" id="{9013FC34-DDF6-38E2-AEAB-E55D8FE57FE3}"/>
+                </a:ext>
+              </a:extLst>
+            </p:cNvPr>
+            <p:cNvSpPr txBox="1"/>
+            <p:nvPr/>
+          </p:nvSpPr>
+          <p:spPr>
+            <a:xfrm>
+              <a:off x="7121347" y="905716"/>
+              <a:ext cx="1130438" cy="461665"/>
+            </a:xfrm>
+            <a:prstGeom prst="rect">
+              <a:avLst/>
+            </a:prstGeom>
+            <a:noFill/>
+          </p:spPr>
+          <p:txBody>
+            <a:bodyPr wrap="none" rtlCol="0">
+              <a:spAutoFit/>
+            </a:bodyPr>
+            <a:lstStyle/>
+            <a:p>
+              <a:r>
+                <a:rPr lang="pt-BR" sz="2400" dirty="0">
+                  <a:latin typeface="Nunito" pitchFamily="2" charset="77"/>
+                </a:rPr>
+                <a:t>delta =</a:t>
+              </a:r>
+            </a:p>
+          </p:txBody>
+        </p:sp>
+        <p:sp>
+          <p:nvSpPr>
+            <p:cNvPr id="53" name="CaixaDeTexto 52">
+              <a:extLst>
+                <a:ext uri="{FF2B5EF4-FFF2-40B4-BE49-F238E27FC236}">
+                  <a16:creationId xmlns:a16="http://schemas.microsoft.com/office/drawing/2014/main" id="{4F0049D3-6E94-EF5E-5398-3124AD3DFEC5}"/>
+                </a:ext>
+              </a:extLst>
+            </p:cNvPr>
+            <p:cNvSpPr txBox="1"/>
+            <p:nvPr/>
+          </p:nvSpPr>
+          <p:spPr>
+            <a:xfrm>
+              <a:off x="8274478" y="674883"/>
+              <a:ext cx="2456122" cy="461665"/>
+            </a:xfrm>
+            <a:prstGeom prst="rect">
+              <a:avLst/>
+            </a:prstGeom>
+            <a:noFill/>
+          </p:spPr>
+          <p:txBody>
+            <a:bodyPr wrap="none" rtlCol="0">
+              <a:spAutoFit/>
+            </a:bodyPr>
+            <a:lstStyle/>
+            <a:p>
+              <a:r>
+                <a:rPr lang="pt-BR" sz="2400" dirty="0" err="1">
+                  <a:latin typeface="Nunito" pitchFamily="2" charset="77"/>
+                </a:rPr>
+                <a:t>Média</a:t>
+              </a:r>
+              <a:r>
+                <a:rPr lang="pt-BR" sz="2400" baseline="-25000" dirty="0" err="1">
+                  <a:latin typeface="Nunito" pitchFamily="2" charset="77"/>
+                </a:rPr>
+                <a:t>A</a:t>
+              </a:r>
+              <a:r>
+                <a:rPr lang="pt-BR" sz="2400" dirty="0">
+                  <a:latin typeface="Nunito" pitchFamily="2" charset="77"/>
+                </a:rPr>
+                <a:t> – </a:t>
+              </a:r>
+              <a:r>
+                <a:rPr lang="pt-BR" sz="2400" dirty="0" err="1">
+                  <a:latin typeface="Nunito" pitchFamily="2" charset="77"/>
+                </a:rPr>
+                <a:t>Média</a:t>
+              </a:r>
+              <a:r>
+                <a:rPr lang="pt-BR" sz="2400" baseline="-25000" dirty="0" err="1">
+                  <a:latin typeface="Nunito" pitchFamily="2" charset="77"/>
+                </a:rPr>
+                <a:t>B</a:t>
+              </a:r>
+              <a:endParaRPr lang="pt-BR" sz="2400" baseline="-25000" dirty="0">
+                <a:latin typeface="Nunito" pitchFamily="2" charset="77"/>
+              </a:endParaRPr>
+            </a:p>
+          </p:txBody>
+        </p:sp>
+        <p:sp>
+          <p:nvSpPr>
+            <p:cNvPr id="54" name="CaixaDeTexto 53">
+              <a:extLst>
+                <a:ext uri="{FF2B5EF4-FFF2-40B4-BE49-F238E27FC236}">
+                  <a16:creationId xmlns:a16="http://schemas.microsoft.com/office/drawing/2014/main" id="{479E9962-316C-23C1-D962-A0DC1748DBDF}"/>
+                </a:ext>
+              </a:extLst>
+            </p:cNvPr>
+            <p:cNvSpPr txBox="1"/>
+            <p:nvPr/>
+          </p:nvSpPr>
+          <p:spPr>
+            <a:xfrm>
+              <a:off x="9132085" y="1177464"/>
+              <a:ext cx="748923" cy="461665"/>
+            </a:xfrm>
+            <a:prstGeom prst="rect">
+              <a:avLst/>
+            </a:prstGeom>
+            <a:noFill/>
+          </p:spPr>
+          <p:txBody>
+            <a:bodyPr wrap="none" rtlCol="0">
+              <a:spAutoFit/>
+            </a:bodyPr>
+            <a:lstStyle/>
+            <a:p>
+              <a:r>
+                <a:rPr lang="pt-BR" sz="2400" dirty="0">
+                  <a:latin typeface="Nunito" pitchFamily="2" charset="77"/>
+                </a:rPr>
+                <a:t>DP</a:t>
+              </a:r>
+              <a:r>
+                <a:rPr lang="pt-BR" sz="2400" baseline="-25000" dirty="0">
+                  <a:latin typeface="Nunito" pitchFamily="2" charset="77"/>
+                </a:rPr>
+                <a:t>B</a:t>
+              </a:r>
+            </a:p>
+          </p:txBody>
+        </p:sp>
+        <p:cxnSp>
+          <p:nvCxnSpPr>
+            <p:cNvPr id="55" name="Conector Reto 54">
+              <a:extLst>
+                <a:ext uri="{FF2B5EF4-FFF2-40B4-BE49-F238E27FC236}">
+                  <a16:creationId xmlns:a16="http://schemas.microsoft.com/office/drawing/2014/main" id="{708E2B72-0B20-C347-2194-618A2BAEE801}"/>
+                </a:ext>
+              </a:extLst>
+            </p:cNvPr>
+            <p:cNvCxnSpPr>
+              <a:cxnSpLocks/>
+            </p:cNvCxnSpPr>
+            <p:nvPr/>
+          </p:nvCxnSpPr>
+          <p:spPr>
+            <a:xfrm flipV="1">
+              <a:off x="8274478" y="1149995"/>
+              <a:ext cx="2475358" cy="1"/>
+            </a:xfrm>
+            <a:prstGeom prst="line">
+              <a:avLst/>
+            </a:prstGeom>
+            <a:ln w="28575">
+              <a:solidFill>
+                <a:schemeClr val="tx1"/>
+              </a:solidFill>
+            </a:ln>
+          </p:spPr>
+          <p:style>
+            <a:lnRef idx="1">
+              <a:schemeClr val="accent1"/>
+            </a:lnRef>
+            <a:fillRef idx="0">
+              <a:schemeClr val="accent1"/>
+            </a:fillRef>
+            <a:effectRef idx="0">
+              <a:schemeClr val="accent1"/>
+            </a:effectRef>
+            <a:fontRef idx="minor">
+              <a:schemeClr val="tx1"/>
+            </a:fontRef>
+          </p:style>
+        </p:cxnSp>
+      </p:grpSp>
+    </p:spTree>
+    <p:extLst>
+      <p:ext uri="{BB962C8B-B14F-4D97-AF65-F5344CB8AC3E}">
+        <p14:creationId xmlns:p14="http://schemas.microsoft.com/office/powerpoint/2010/main" val="4119309971"/>
+      </p:ext>
+    </p:extLst>
+  </p:cSld>
+  <p:clrMapOvr>
+    <a:masterClrMapping/>
+  </p:clrMapOvr>
+</p:sld>
+</file>
+
+<file path=ppt/slides/slide11.xml><?xml version="1.0" encoding="utf-8"?>
+<p:sld xmlns:a="http://schemas.openxmlformats.org/drawingml/2006/main" xmlns:r="http://schemas.openxmlformats.org/officeDocument/2006/relationships" xmlns:p="http://schemas.openxmlformats.org/presentationml/2006/main">
+  <p:cSld>
+    <p:spTree>
+      <p:nvGrpSpPr>
         <p:cNvPr id="1" name=""/>
         <p:cNvGrpSpPr/>
         <p:nvPr/>
@@ -9315,7 +10551,7 @@
 </p:sld>
 </file>
 
-<file path=ppt/slides/slide11.xml><?xml version="1.0" encoding="utf-8"?>
+<file path=ppt/slides/slide12.xml><?xml version="1.0" encoding="utf-8"?>
 <p:sld xmlns:a="http://schemas.openxmlformats.org/drawingml/2006/main" xmlns:r="http://schemas.openxmlformats.org/officeDocument/2006/relationships" xmlns:p="http://schemas.openxmlformats.org/presentationml/2006/main">
   <p:cSld>
     <p:spTree>
@@ -9721,6 +10957,207 @@
 </file>
 
 <file path=ppt/slides/slide2.xml><?xml version="1.0" encoding="utf-8"?>
+<p:sld xmlns:a="http://schemas.openxmlformats.org/drawingml/2006/main" xmlns:r="http://schemas.openxmlformats.org/officeDocument/2006/relationships" xmlns:p="http://schemas.openxmlformats.org/presentationml/2006/main">
+  <p:cSld>
+    <p:spTree>
+      <p:nvGrpSpPr>
+        <p:cNvPr id="1" name=""/>
+        <p:cNvGrpSpPr/>
+        <p:nvPr/>
+      </p:nvGrpSpPr>
+      <p:grpSpPr>
+        <a:xfrm>
+          <a:off x="0" y="0"/>
+          <a:ext cx="0" cy="0"/>
+          <a:chOff x="0" y="0"/>
+          <a:chExt cx="0" cy="0"/>
+        </a:xfrm>
+      </p:grpSpPr>
+      <p:sp>
+        <p:nvSpPr>
+          <p:cNvPr id="9" name="Retângulo 8">
+            <a:extLst>
+              <a:ext uri="{FF2B5EF4-FFF2-40B4-BE49-F238E27FC236}">
+                <a16:creationId xmlns:a16="http://schemas.microsoft.com/office/drawing/2014/main" id="{4667C464-17A3-99D0-BE2D-DD3DA0E46F8A}"/>
+              </a:ext>
+            </a:extLst>
+          </p:cNvPr>
+          <p:cNvSpPr/>
+          <p:nvPr/>
+        </p:nvSpPr>
+        <p:spPr>
+          <a:xfrm>
+            <a:off x="1610139" y="583097"/>
+            <a:ext cx="8971722" cy="4878170"/>
+          </a:xfrm>
+          <a:prstGeom prst="rect">
+            <a:avLst/>
+          </a:prstGeom>
+          <a:solidFill>
+            <a:schemeClr val="bg1"/>
+          </a:solidFill>
+          <a:ln>
+            <a:noFill/>
+          </a:ln>
+        </p:spPr>
+        <p:style>
+          <a:lnRef idx="2">
+            <a:schemeClr val="accent1">
+              <a:shade val="15000"/>
+            </a:schemeClr>
+          </a:lnRef>
+          <a:fillRef idx="1">
+            <a:schemeClr val="accent1"/>
+          </a:fillRef>
+          <a:effectRef idx="0">
+            <a:schemeClr val="accent1"/>
+          </a:effectRef>
+          <a:fontRef idx="minor">
+            <a:schemeClr val="lt1"/>
+          </a:fontRef>
+        </p:style>
+        <p:txBody>
+          <a:bodyPr rtlCol="0" anchor="ctr"/>
+          <a:lstStyle/>
+          <a:p>
+            <a:pPr algn="ctr"/>
+            <a:endParaRPr lang="pt-BR"/>
+          </a:p>
+        </p:txBody>
+      </p:sp>
+      <p:pic>
+        <p:nvPicPr>
+          <p:cNvPr id="5" name="Imagem 4">
+            <a:extLst>
+              <a:ext uri="{FF2B5EF4-FFF2-40B4-BE49-F238E27FC236}">
+                <a16:creationId xmlns:a16="http://schemas.microsoft.com/office/drawing/2014/main" id="{015247DA-B420-457A-EB6C-840113440401}"/>
+              </a:ext>
+            </a:extLst>
+          </p:cNvPr>
+          <p:cNvPicPr>
+            <a:picLocks noChangeAspect="1"/>
+          </p:cNvPicPr>
+          <p:nvPr/>
+        </p:nvPicPr>
+        <p:blipFill>
+          <a:blip r:embed="rId2"/>
+          <a:stretch>
+            <a:fillRect/>
+          </a:stretch>
+        </p:blipFill>
+        <p:spPr>
+          <a:xfrm>
+            <a:off x="2708744" y="1133060"/>
+            <a:ext cx="6774512" cy="4234070"/>
+          </a:xfrm>
+          <a:prstGeom prst="rect">
+            <a:avLst/>
+          </a:prstGeom>
+        </p:spPr>
+      </p:pic>
+      <p:cxnSp>
+        <p:nvCxnSpPr>
+          <p:cNvPr id="6" name="Conector de Seta Reta 5">
+            <a:extLst>
+              <a:ext uri="{FF2B5EF4-FFF2-40B4-BE49-F238E27FC236}">
+                <a16:creationId xmlns:a16="http://schemas.microsoft.com/office/drawing/2014/main" id="{F26A2092-8B2E-4A10-38B1-B1945E9B93C4}"/>
+              </a:ext>
+            </a:extLst>
+          </p:cNvPr>
+          <p:cNvCxnSpPr>
+            <a:cxnSpLocks/>
+          </p:cNvCxnSpPr>
+          <p:nvPr/>
+        </p:nvCxnSpPr>
+        <p:spPr>
+          <a:xfrm>
+            <a:off x="5376840" y="1314122"/>
+            <a:ext cx="1328760" cy="0"/>
+          </a:xfrm>
+          <a:prstGeom prst="straightConnector1">
+            <a:avLst/>
+          </a:prstGeom>
+          <a:ln w="38100">
+            <a:solidFill>
+              <a:schemeClr val="tx1"/>
+            </a:solidFill>
+            <a:headEnd type="triangle"/>
+            <a:tailEnd type="triangle"/>
+          </a:ln>
+        </p:spPr>
+        <p:style>
+          <a:lnRef idx="1">
+            <a:schemeClr val="accent1"/>
+          </a:lnRef>
+          <a:fillRef idx="0">
+            <a:schemeClr val="accent1"/>
+          </a:fillRef>
+          <a:effectRef idx="0">
+            <a:schemeClr val="accent1"/>
+          </a:effectRef>
+          <a:fontRef idx="minor">
+            <a:schemeClr val="tx1"/>
+          </a:fontRef>
+        </p:style>
+      </p:cxnSp>
+      <p:sp>
+        <p:nvSpPr>
+          <p:cNvPr id="7" name="CaixaDeTexto 6">
+            <a:extLst>
+              <a:ext uri="{FF2B5EF4-FFF2-40B4-BE49-F238E27FC236}">
+                <a16:creationId xmlns:a16="http://schemas.microsoft.com/office/drawing/2014/main" id="{82F0DA93-519D-150E-D7F2-C23C9AF77F1B}"/>
+              </a:ext>
+            </a:extLst>
+          </p:cNvPr>
+          <p:cNvSpPr txBox="1"/>
+          <p:nvPr/>
+        </p:nvSpPr>
+        <p:spPr>
+          <a:xfrm>
+            <a:off x="5347128" y="944790"/>
+            <a:ext cx="1391728" cy="369332"/>
+          </a:xfrm>
+          <a:prstGeom prst="rect">
+            <a:avLst/>
+          </a:prstGeom>
+          <a:noFill/>
+        </p:spPr>
+        <p:txBody>
+          <a:bodyPr wrap="none" rtlCol="0">
+            <a:spAutoFit/>
+          </a:bodyPr>
+          <a:lstStyle/>
+          <a:p>
+            <a:pPr algn="ctr"/>
+            <a:r>
+              <a:rPr lang="pt-BR" b="1" dirty="0" err="1">
+                <a:latin typeface="Nunito" pitchFamily="2" charset="77"/>
+              </a:rPr>
+              <a:t>d</a:t>
+            </a:r>
+            <a:r>
+              <a:rPr lang="pt-BR" b="1" dirty="0">
+                <a:latin typeface="Nunito" pitchFamily="2" charset="77"/>
+              </a:rPr>
+              <a:t> de Cohen</a:t>
+            </a:r>
+          </a:p>
+        </p:txBody>
+      </p:sp>
+    </p:spTree>
+    <p:extLst>
+      <p:ext uri="{BB962C8B-B14F-4D97-AF65-F5344CB8AC3E}">
+        <p14:creationId xmlns:p14="http://schemas.microsoft.com/office/powerpoint/2010/main" val="1858728146"/>
+      </p:ext>
+    </p:extLst>
+  </p:cSld>
+  <p:clrMapOvr>
+    <a:masterClrMapping/>
+  </p:clrMapOvr>
+</p:sld>
+</file>
+
+<file path=ppt/slides/slide3.xml><?xml version="1.0" encoding="utf-8"?>
 <p:sld xmlns:a="http://schemas.openxmlformats.org/drawingml/2006/main" xmlns:r="http://schemas.openxmlformats.org/officeDocument/2006/relationships" xmlns:p="http://schemas.openxmlformats.org/presentationml/2006/main">
   <p:cSld>
     <p:spTree>
@@ -11453,7 +12890,7 @@
 </p:sld>
 </file>
 
-<file path=ppt/slides/slide3.xml><?xml version="1.0" encoding="utf-8"?>
+<file path=ppt/slides/slide4.xml><?xml version="1.0" encoding="utf-8"?>
 <p:sld xmlns:a="http://schemas.openxmlformats.org/drawingml/2006/main" xmlns:r="http://schemas.openxmlformats.org/officeDocument/2006/relationships" xmlns:p="http://schemas.openxmlformats.org/presentationml/2006/main">
   <p:cSld>
     <p:spTree>
@@ -12670,7 +14107,7 @@
 </p:sld>
 </file>
 
-<file path=ppt/slides/slide4.xml><?xml version="1.0" encoding="utf-8"?>
+<file path=ppt/slides/slide5.xml><?xml version="1.0" encoding="utf-8"?>
 <p:sld xmlns:a="http://schemas.openxmlformats.org/drawingml/2006/main" xmlns:r="http://schemas.openxmlformats.org/officeDocument/2006/relationships" xmlns:p="http://schemas.openxmlformats.org/presentationml/2006/main">
   <p:cSld>
     <p:spTree>
@@ -13927,7 +15364,7 @@
 </p:sld>
 </file>
 
-<file path=ppt/slides/slide5.xml><?xml version="1.0" encoding="utf-8"?>
+<file path=ppt/slides/slide6.xml><?xml version="1.0" encoding="utf-8"?>
 <p:sld xmlns:a="http://schemas.openxmlformats.org/drawingml/2006/main" xmlns:r="http://schemas.openxmlformats.org/officeDocument/2006/relationships" xmlns:p="http://schemas.openxmlformats.org/presentationml/2006/main">
   <p:cSld>
     <p:spTree>
@@ -14900,7 +16337,7 @@
 </p:sld>
 </file>
 
-<file path=ppt/slides/slide6.xml><?xml version="1.0" encoding="utf-8"?>
+<file path=ppt/slides/slide7.xml><?xml version="1.0" encoding="utf-8"?>
 <p:sld xmlns:a="http://schemas.openxmlformats.org/drawingml/2006/main" xmlns:r="http://schemas.openxmlformats.org/officeDocument/2006/relationships" xmlns:p="http://schemas.openxmlformats.org/presentationml/2006/main">
   <p:cSld>
     <p:spTree>
@@ -16373,7 +17810,7 @@
 </p:sld>
 </file>
 
-<file path=ppt/slides/slide7.xml><?xml version="1.0" encoding="utf-8"?>
+<file path=ppt/slides/slide8.xml><?xml version="1.0" encoding="utf-8"?>
 <p:sld xmlns:a="http://schemas.openxmlformats.org/drawingml/2006/main" xmlns:r="http://schemas.openxmlformats.org/officeDocument/2006/relationships" xmlns:p="http://schemas.openxmlformats.org/presentationml/2006/main">
   <p:cSld>
     <p:spTree>
@@ -17852,7 +19289,7 @@
 </p:sld>
 </file>
 
-<file path=ppt/slides/slide8.xml><?xml version="1.0" encoding="utf-8"?>
+<file path=ppt/slides/slide9.xml><?xml version="1.0" encoding="utf-8"?>
 <p:sld xmlns:a="http://schemas.openxmlformats.org/drawingml/2006/main" xmlns:r="http://schemas.openxmlformats.org/officeDocument/2006/relationships" xmlns:p="http://schemas.openxmlformats.org/presentationml/2006/main">
   <p:cSld>
     <p:spTree>
@@ -19608,1241 +21045,6 @@
 </p:sld>
 </file>
 
-<file path=ppt/slides/slide9.xml><?xml version="1.0" encoding="utf-8"?>
-<p:sld xmlns:a="http://schemas.openxmlformats.org/drawingml/2006/main" xmlns:r="http://schemas.openxmlformats.org/officeDocument/2006/relationships" xmlns:p="http://schemas.openxmlformats.org/presentationml/2006/main">
-  <p:cSld>
-    <p:spTree>
-      <p:nvGrpSpPr>
-        <p:cNvPr id="1" name="">
-          <a:extLst>
-            <a:ext uri="{FF2B5EF4-FFF2-40B4-BE49-F238E27FC236}">
-              <a16:creationId xmlns:a16="http://schemas.microsoft.com/office/drawing/2014/main" id="{8A4B33C4-62BE-556F-62C3-D07CAC737044}"/>
-            </a:ext>
-          </a:extLst>
-        </p:cNvPr>
-        <p:cNvGrpSpPr/>
-        <p:nvPr/>
-      </p:nvGrpSpPr>
-      <p:grpSpPr>
-        <a:xfrm>
-          <a:off x="0" y="0"/>
-          <a:ext cx="0" cy="0"/>
-          <a:chOff x="0" y="0"/>
-          <a:chExt cx="0" cy="0"/>
-        </a:xfrm>
-      </p:grpSpPr>
-      <p:sp>
-        <p:nvSpPr>
-          <p:cNvPr id="26" name="Retângulo 25">
-            <a:extLst>
-              <a:ext uri="{FF2B5EF4-FFF2-40B4-BE49-F238E27FC236}">
-                <a16:creationId xmlns:a16="http://schemas.microsoft.com/office/drawing/2014/main" id="{9EFCD973-517B-3C90-6AF5-686ED5C31A87}"/>
-              </a:ext>
-            </a:extLst>
-          </p:cNvPr>
-          <p:cNvSpPr/>
-          <p:nvPr/>
-        </p:nvSpPr>
-        <p:spPr>
-          <a:xfrm>
-            <a:off x="588717" y="2178424"/>
-            <a:ext cx="7398836" cy="1680882"/>
-          </a:xfrm>
-          <a:prstGeom prst="rect">
-            <a:avLst/>
-          </a:prstGeom>
-          <a:solidFill>
-            <a:schemeClr val="bg1"/>
-          </a:solidFill>
-          <a:ln>
-            <a:noFill/>
-          </a:ln>
-        </p:spPr>
-        <p:style>
-          <a:lnRef idx="2">
-            <a:schemeClr val="accent1">
-              <a:shade val="15000"/>
-            </a:schemeClr>
-          </a:lnRef>
-          <a:fillRef idx="1">
-            <a:schemeClr val="accent1"/>
-          </a:fillRef>
-          <a:effectRef idx="0">
-            <a:schemeClr val="accent1"/>
-          </a:effectRef>
-          <a:fontRef idx="minor">
-            <a:schemeClr val="lt1"/>
-          </a:fontRef>
-        </p:style>
-        <p:txBody>
-          <a:bodyPr rtlCol="0" anchor="ctr"/>
-          <a:lstStyle/>
-          <a:p>
-            <a:pPr algn="ctr"/>
-            <a:endParaRPr lang="pt-BR"/>
-          </a:p>
-        </p:txBody>
-      </p:sp>
-      <mc:AlternateContent xmlns:mc="http://schemas.openxmlformats.org/markup-compatibility/2006" xmlns:a14="http://schemas.microsoft.com/office/drawing/2010/main">
-        <mc:Choice Requires="a14">
-          <p:sp>
-            <p:nvSpPr>
-              <p:cNvPr id="7" name="CaixaDeTexto 6">
-                <a:extLst>
-                  <a:ext uri="{FF2B5EF4-FFF2-40B4-BE49-F238E27FC236}">
-                    <a16:creationId xmlns:a16="http://schemas.microsoft.com/office/drawing/2014/main" id="{5E731C06-47E5-8822-721A-444B45E7CC89}"/>
-                  </a:ext>
-                </a:extLst>
-              </p:cNvPr>
-              <p:cNvSpPr txBox="1"/>
-              <p:nvPr/>
-            </p:nvSpPr>
-            <p:spPr>
-              <a:xfrm>
-                <a:off x="4826953" y="2504904"/>
-                <a:ext cx="3052374" cy="994824"/>
-              </a:xfrm>
-              <a:prstGeom prst="rect">
-                <a:avLst/>
-              </a:prstGeom>
-              <a:noFill/>
-            </p:spPr>
-            <p:txBody>
-              <a:bodyPr wrap="none" lIns="0" tIns="0" rIns="0" bIns="0" rtlCol="0">
-                <a:spAutoFit/>
-              </a:bodyPr>
-              <a:lstStyle/>
-              <a:p>
-                <a:pPr/>
-                <a14:m>
-                  <m:oMathPara xmlns:m="http://schemas.openxmlformats.org/officeDocument/2006/math">
-                    <m:oMathParaPr>
-                      <m:jc m:val="centerGroup"/>
-                    </m:oMathParaPr>
-                    <m:oMath xmlns:m="http://schemas.openxmlformats.org/officeDocument/2006/math">
-                      <m:d>
-                        <m:dPr>
-                          <m:ctrlPr>
-                            <a:rPr lang="pt-BR" sz="3200" i="1" smtClean="0">
-                              <a:latin typeface="Cambria Math" panose="02040503050406030204" pitchFamily="18" charset="0"/>
-                            </a:rPr>
-                          </m:ctrlPr>
-                        </m:dPr>
-                        <m:e>
-                          <m:r>
-                            <a:rPr lang="pt-BR" sz="3200" b="0" i="1" smtClean="0">
-                              <a:latin typeface="Cambria Math" panose="02040503050406030204" pitchFamily="18" charset="0"/>
-                            </a:rPr>
-                            <m:t>1−</m:t>
-                          </m:r>
-                          <m:f>
-                            <m:fPr>
-                              <m:ctrlPr>
-                                <a:rPr lang="pt-BR" sz="3200" b="0" i="1" smtClean="0">
-                                  <a:latin typeface="Cambria Math" panose="02040503050406030204" pitchFamily="18" charset="0"/>
-                                </a:rPr>
-                              </m:ctrlPr>
-                            </m:fPr>
-                            <m:num>
-                              <m:r>
-                                <a:rPr lang="pt-BR" sz="3200" b="0" i="1" smtClean="0">
-                                  <a:latin typeface="Cambria Math" panose="02040503050406030204" pitchFamily="18" charset="0"/>
-                                </a:rPr>
-                                <m:t>3</m:t>
-                              </m:r>
-                            </m:num>
-                            <m:den>
-                              <m:r>
-                                <a:rPr lang="pt-BR" sz="3200" b="0" i="1" smtClean="0">
-                                  <a:latin typeface="Cambria Math" panose="02040503050406030204" pitchFamily="18" charset="0"/>
-                                </a:rPr>
-                                <m:t>4</m:t>
-                              </m:r>
-                              <m:d>
-                                <m:dPr>
-                                  <m:ctrlPr>
-                                    <a:rPr lang="pt-BR" sz="3200" b="0" i="1" smtClean="0">
-                                      <a:latin typeface="Cambria Math" panose="02040503050406030204" pitchFamily="18" charset="0"/>
-                                    </a:rPr>
-                                  </m:ctrlPr>
-                                </m:dPr>
-                                <m:e>
-                                  <m:r>
-                                    <a:rPr lang="pt-BR" sz="3200" b="0" i="1" smtClean="0">
-                                      <a:latin typeface="Cambria Math" panose="02040503050406030204" pitchFamily="18" charset="0"/>
-                                    </a:rPr>
-                                    <m:t>+</m:t>
-                                  </m:r>
-                                  <m:r>
-                                    <a:rPr lang="pt-BR" sz="3200" b="0" i="1" smtClean="0">
-                                      <a:latin typeface="Cambria Math" panose="02040503050406030204" pitchFamily="18" charset="0"/>
-                                    </a:rPr>
-                                    <m:t>𝑛</m:t>
-                                  </m:r>
-                                  <m:r>
-                                    <a:rPr lang="pt-BR" sz="3200" b="0" i="1" smtClean="0">
-                                      <a:latin typeface="Cambria Math" panose="02040503050406030204" pitchFamily="18" charset="0"/>
-                                    </a:rPr>
-                                    <m:t>2</m:t>
-                                  </m:r>
-                                </m:e>
-                              </m:d>
-                              <m:r>
-                                <a:rPr lang="pt-BR" sz="3200" b="0" i="1" smtClean="0">
-                                  <a:latin typeface="Cambria Math" panose="02040503050406030204" pitchFamily="18" charset="0"/>
-                                </a:rPr>
-                                <m:t> −</m:t>
-                              </m:r>
-                            </m:den>
-                          </m:f>
-                        </m:e>
-                      </m:d>
-                    </m:oMath>
-                  </m:oMathPara>
-                </a14:m>
-                <a:endParaRPr lang="pt-BR" sz="2400" dirty="0">
-                  <a:latin typeface="Nunito" pitchFamily="2" charset="77"/>
-                </a:endParaRPr>
-              </a:p>
-            </p:txBody>
-          </p:sp>
-        </mc:Choice>
-        <mc:Fallback xmlns="">
-          <p:sp>
-            <p:nvSpPr>
-              <p:cNvPr id="7" name="CaixaDeTexto 6">
-                <a:extLst>
-                  <a:ext uri="{FF2B5EF4-FFF2-40B4-BE49-F238E27FC236}">
-                    <a16:creationId xmlns:a16="http://schemas.microsoft.com/office/drawing/2014/main" id="{5E731C06-47E5-8822-721A-444B45E7CC89}"/>
-                  </a:ext>
-                </a:extLst>
-              </p:cNvPr>
-              <p:cNvSpPr txBox="1">
-                <a:spLocks noRot="1" noChangeAspect="1" noMove="1" noResize="1" noEditPoints="1" noAdjustHandles="1" noChangeArrowheads="1" noChangeShapeType="1" noTextEdit="1"/>
-              </p:cNvSpPr>
-              <p:nvPr/>
-            </p:nvSpPr>
-            <p:spPr>
-              <a:xfrm>
-                <a:off x="4826953" y="2504904"/>
-                <a:ext cx="3052374" cy="994824"/>
-              </a:xfrm>
-              <a:prstGeom prst="rect">
-                <a:avLst/>
-              </a:prstGeom>
-              <a:blipFill>
-                <a:blip r:embed="rId2"/>
-                <a:stretch>
-                  <a:fillRect t="-1266" b="-20253"/>
-                </a:stretch>
-              </a:blipFill>
-            </p:spPr>
-            <p:txBody>
-              <a:bodyPr/>
-              <a:lstStyle/>
-              <a:p>
-                <a:r>
-                  <a:rPr lang="pt-BR">
-                    <a:noFill/>
-                  </a:rPr>
-                  <a:t> </a:t>
-                </a:r>
-              </a:p>
-            </p:txBody>
-          </p:sp>
-        </mc:Fallback>
-      </mc:AlternateContent>
-      <p:sp>
-        <p:nvSpPr>
-          <p:cNvPr id="39" name="Retângulo 38">
-            <a:extLst>
-              <a:ext uri="{FF2B5EF4-FFF2-40B4-BE49-F238E27FC236}">
-                <a16:creationId xmlns:a16="http://schemas.microsoft.com/office/drawing/2014/main" id="{143742CC-4939-F525-3D9C-5A5986F07927}"/>
-              </a:ext>
-            </a:extLst>
-          </p:cNvPr>
-          <p:cNvSpPr/>
-          <p:nvPr/>
-        </p:nvSpPr>
-        <p:spPr>
-          <a:xfrm>
-            <a:off x="5122734" y="2504905"/>
-            <a:ext cx="2460812" cy="1061568"/>
-          </a:xfrm>
-          <a:prstGeom prst="rect">
-            <a:avLst/>
-          </a:prstGeom>
-          <a:solidFill>
-            <a:schemeClr val="bg1"/>
-          </a:solidFill>
-          <a:ln>
-            <a:noFill/>
-          </a:ln>
-        </p:spPr>
-        <p:style>
-          <a:lnRef idx="2">
-            <a:schemeClr val="accent1">
-              <a:shade val="15000"/>
-            </a:schemeClr>
-          </a:lnRef>
-          <a:fillRef idx="1">
-            <a:schemeClr val="accent1"/>
-          </a:fillRef>
-          <a:effectRef idx="0">
-            <a:schemeClr val="accent1"/>
-          </a:effectRef>
-          <a:fontRef idx="minor">
-            <a:schemeClr val="lt1"/>
-          </a:fontRef>
-        </p:style>
-        <p:txBody>
-          <a:bodyPr rtlCol="0" anchor="ctr"/>
-          <a:lstStyle/>
-          <a:p>
-            <a:pPr algn="ctr"/>
-            <a:endParaRPr lang="pt-BR"/>
-          </a:p>
-        </p:txBody>
-      </p:sp>
-      <p:sp>
-        <p:nvSpPr>
-          <p:cNvPr id="8" name="CaixaDeTexto 7">
-            <a:extLst>
-              <a:ext uri="{FF2B5EF4-FFF2-40B4-BE49-F238E27FC236}">
-                <a16:creationId xmlns:a16="http://schemas.microsoft.com/office/drawing/2014/main" id="{648181DE-9D15-16C4-1783-1FB7E32D5631}"/>
-              </a:ext>
-            </a:extLst>
-          </p:cNvPr>
-          <p:cNvSpPr txBox="1"/>
-          <p:nvPr/>
-        </p:nvSpPr>
-        <p:spPr>
-          <a:xfrm>
-            <a:off x="815627" y="2797888"/>
-            <a:ext cx="4908716" cy="461665"/>
-          </a:xfrm>
-          <a:prstGeom prst="rect">
-            <a:avLst/>
-          </a:prstGeom>
-          <a:noFill/>
-        </p:spPr>
-        <p:txBody>
-          <a:bodyPr wrap="none" rtlCol="0">
-            <a:spAutoFit/>
-          </a:bodyPr>
-          <a:lstStyle/>
-          <a:p>
-            <a:r>
-              <a:rPr lang="pt-BR" sz="2400" dirty="0" err="1">
-                <a:latin typeface="Nunito" pitchFamily="2" charset="77"/>
-              </a:rPr>
-              <a:t>g</a:t>
-            </a:r>
-            <a:r>
-              <a:rPr lang="pt-BR" sz="2400" dirty="0">
-                <a:latin typeface="Nunito" pitchFamily="2" charset="77"/>
-              </a:rPr>
-              <a:t> de Hedges = </a:t>
-            </a:r>
-            <a:r>
-              <a:rPr lang="pt-BR" sz="2400" dirty="0" err="1">
-                <a:latin typeface="Nunito" pitchFamily="2" charset="77"/>
-              </a:rPr>
-              <a:t>d</a:t>
-            </a:r>
-            <a:r>
-              <a:rPr lang="pt-BR" sz="2400" dirty="0">
-                <a:latin typeface="Nunito" pitchFamily="2" charset="77"/>
-              </a:rPr>
-              <a:t> de Cohen </a:t>
-            </a:r>
-            <a:r>
-              <a:rPr lang="pt-BR" sz="2400" dirty="0" err="1">
-                <a:latin typeface="Nunito" pitchFamily="2" charset="77"/>
-              </a:rPr>
-              <a:t>x</a:t>
-            </a:r>
-            <a:r>
-              <a:rPr lang="pt-BR" sz="2400" dirty="0">
-                <a:latin typeface="Nunito" pitchFamily="2" charset="77"/>
-              </a:rPr>
-              <a:t>    1 – </a:t>
-            </a:r>
-          </a:p>
-        </p:txBody>
-      </p:sp>
-      <p:sp>
-        <p:nvSpPr>
-          <p:cNvPr id="40" name="Retângulo 39">
-            <a:extLst>
-              <a:ext uri="{FF2B5EF4-FFF2-40B4-BE49-F238E27FC236}">
-                <a16:creationId xmlns:a16="http://schemas.microsoft.com/office/drawing/2014/main" id="{F8A06930-72D3-F74B-0B18-D59CA6CB814F}"/>
-              </a:ext>
-            </a:extLst>
-          </p:cNvPr>
-          <p:cNvSpPr/>
-          <p:nvPr/>
-        </p:nvSpPr>
-        <p:spPr>
-          <a:xfrm>
-            <a:off x="6763871" y="2865947"/>
-            <a:ext cx="934194" cy="213429"/>
-          </a:xfrm>
-          <a:prstGeom prst="rect">
-            <a:avLst/>
-          </a:prstGeom>
-          <a:solidFill>
-            <a:schemeClr val="bg1"/>
-          </a:solidFill>
-          <a:ln>
-            <a:noFill/>
-          </a:ln>
-        </p:spPr>
-        <p:style>
-          <a:lnRef idx="2">
-            <a:schemeClr val="accent1">
-              <a:shade val="15000"/>
-            </a:schemeClr>
-          </a:lnRef>
-          <a:fillRef idx="1">
-            <a:schemeClr val="accent1"/>
-          </a:fillRef>
-          <a:effectRef idx="0">
-            <a:schemeClr val="accent1"/>
-          </a:effectRef>
-          <a:fontRef idx="minor">
-            <a:schemeClr val="lt1"/>
-          </a:fontRef>
-        </p:style>
-        <p:txBody>
-          <a:bodyPr rtlCol="0" anchor="ctr"/>
-          <a:lstStyle/>
-          <a:p>
-            <a:pPr algn="ctr"/>
-            <a:endParaRPr lang="pt-BR"/>
-          </a:p>
-        </p:txBody>
-      </p:sp>
-      <p:grpSp>
-        <p:nvGrpSpPr>
-          <p:cNvPr id="38" name="Agrupar 37">
-            <a:extLst>
-              <a:ext uri="{FF2B5EF4-FFF2-40B4-BE49-F238E27FC236}">
-                <a16:creationId xmlns:a16="http://schemas.microsoft.com/office/drawing/2014/main" id="{F3E3777A-6A50-542B-08F3-348FD728CB06}"/>
-              </a:ext>
-            </a:extLst>
-          </p:cNvPr>
-          <p:cNvGrpSpPr/>
-          <p:nvPr/>
-        </p:nvGrpSpPr>
-        <p:grpSpPr>
-          <a:xfrm>
-            <a:off x="5565860" y="2591491"/>
-            <a:ext cx="2109873" cy="923330"/>
-            <a:chOff x="5592754" y="2607395"/>
-            <a:chExt cx="2109873" cy="923330"/>
-          </a:xfrm>
-        </p:grpSpPr>
-        <p:sp>
-          <p:nvSpPr>
-            <p:cNvPr id="9" name="CaixaDeTexto 8">
-              <a:extLst>
-                <a:ext uri="{FF2B5EF4-FFF2-40B4-BE49-F238E27FC236}">
-                  <a16:creationId xmlns:a16="http://schemas.microsoft.com/office/drawing/2014/main" id="{90794A5A-BB17-D7EE-5F83-99B3178B4D14}"/>
-                </a:ext>
-              </a:extLst>
-            </p:cNvPr>
-            <p:cNvSpPr txBox="1"/>
-            <p:nvPr/>
-          </p:nvSpPr>
-          <p:spPr>
-            <a:xfrm>
-              <a:off x="6455555" y="2607395"/>
-              <a:ext cx="369012" cy="461665"/>
-            </a:xfrm>
-            <a:prstGeom prst="rect">
-              <a:avLst/>
-            </a:prstGeom>
-            <a:noFill/>
-          </p:spPr>
-          <p:txBody>
-            <a:bodyPr wrap="none" rtlCol="0">
-              <a:spAutoFit/>
-            </a:bodyPr>
-            <a:lstStyle/>
-            <a:p>
-              <a:r>
-                <a:rPr lang="pt-BR" sz="2400" dirty="0">
-                  <a:latin typeface="Nunito" pitchFamily="2" charset="77"/>
-                </a:rPr>
-                <a:t>3</a:t>
-              </a:r>
-              <a:endParaRPr lang="pt-BR" sz="2400" baseline="-25000" dirty="0">
-                <a:latin typeface="Nunito" pitchFamily="2" charset="77"/>
-              </a:endParaRPr>
-            </a:p>
-          </p:txBody>
-        </p:sp>
-        <p:sp>
-          <p:nvSpPr>
-            <p:cNvPr id="10" name="CaixaDeTexto 9">
-              <a:extLst>
-                <a:ext uri="{FF2B5EF4-FFF2-40B4-BE49-F238E27FC236}">
-                  <a16:creationId xmlns:a16="http://schemas.microsoft.com/office/drawing/2014/main" id="{031C4B53-275C-7045-9559-807A2FDE002E}"/>
-                </a:ext>
-              </a:extLst>
-            </p:cNvPr>
-            <p:cNvSpPr txBox="1"/>
-            <p:nvPr/>
-          </p:nvSpPr>
-          <p:spPr>
-            <a:xfrm>
-              <a:off x="5592754" y="3069060"/>
-              <a:ext cx="2109873" cy="461665"/>
-            </a:xfrm>
-            <a:prstGeom prst="rect">
-              <a:avLst/>
-            </a:prstGeom>
-            <a:noFill/>
-          </p:spPr>
-          <p:txBody>
-            <a:bodyPr wrap="none" rtlCol="0">
-              <a:spAutoFit/>
-            </a:bodyPr>
-            <a:lstStyle/>
-            <a:p>
-              <a:r>
-                <a:rPr lang="pt-BR" sz="2400" dirty="0">
-                  <a:latin typeface="Nunito" pitchFamily="2" charset="77"/>
-                </a:rPr>
-                <a:t>4(</a:t>
-              </a:r>
-              <a:r>
-                <a:rPr lang="pt-BR" sz="2400" dirty="0" err="1">
-                  <a:latin typeface="Nunito" pitchFamily="2" charset="77"/>
-                </a:rPr>
-                <a:t>n</a:t>
-              </a:r>
-              <a:r>
-                <a:rPr lang="pt-BR" sz="2400" baseline="-25000" dirty="0" err="1">
-                  <a:latin typeface="Nunito" pitchFamily="2" charset="77"/>
-                </a:rPr>
-                <a:t>A</a:t>
-              </a:r>
-              <a:r>
-                <a:rPr lang="pt-BR" sz="2400" dirty="0">
-                  <a:latin typeface="Nunito" pitchFamily="2" charset="77"/>
-                </a:rPr>
-                <a:t> + </a:t>
-              </a:r>
-              <a:r>
-                <a:rPr lang="pt-BR" sz="2400" dirty="0" err="1">
-                  <a:latin typeface="Nunito" pitchFamily="2" charset="77"/>
-                </a:rPr>
-                <a:t>n</a:t>
-              </a:r>
-              <a:r>
-                <a:rPr lang="pt-BR" sz="2400" baseline="-25000" dirty="0" err="1">
-                  <a:latin typeface="Nunito" pitchFamily="2" charset="77"/>
-                </a:rPr>
-                <a:t>B</a:t>
-              </a:r>
-              <a:r>
-                <a:rPr lang="pt-BR" sz="2400" dirty="0">
-                  <a:latin typeface="Nunito" pitchFamily="2" charset="77"/>
-                </a:rPr>
-                <a:t>) – 9</a:t>
-              </a:r>
-              <a:endParaRPr lang="pt-BR" sz="2400" baseline="-25000" dirty="0">
-                <a:latin typeface="Nunito" pitchFamily="2" charset="77"/>
-              </a:endParaRPr>
-            </a:p>
-          </p:txBody>
-        </p:sp>
-        <p:cxnSp>
-          <p:nvCxnSpPr>
-            <p:cNvPr id="12" name="Conector Reto 11">
-              <a:extLst>
-                <a:ext uri="{FF2B5EF4-FFF2-40B4-BE49-F238E27FC236}">
-                  <a16:creationId xmlns:a16="http://schemas.microsoft.com/office/drawing/2014/main" id="{34B842D0-A041-E515-FE37-4A4B69CCB7D3}"/>
-                </a:ext>
-              </a:extLst>
-            </p:cNvPr>
-            <p:cNvCxnSpPr>
-              <a:cxnSpLocks/>
-            </p:cNvCxnSpPr>
-            <p:nvPr/>
-          </p:nvCxnSpPr>
-          <p:spPr>
-            <a:xfrm>
-              <a:off x="5617901" y="3042168"/>
-              <a:ext cx="2044321" cy="0"/>
-            </a:xfrm>
-            <a:prstGeom prst="line">
-              <a:avLst/>
-            </a:prstGeom>
-            <a:ln w="28575">
-              <a:solidFill>
-                <a:schemeClr val="tx1"/>
-              </a:solidFill>
-            </a:ln>
-          </p:spPr>
-          <p:style>
-            <a:lnRef idx="1">
-              <a:schemeClr val="accent1"/>
-            </a:lnRef>
-            <a:fillRef idx="0">
-              <a:schemeClr val="accent1"/>
-            </a:fillRef>
-            <a:effectRef idx="0">
-              <a:schemeClr val="accent1"/>
-            </a:effectRef>
-            <a:fontRef idx="minor">
-              <a:schemeClr val="tx1"/>
-            </a:fontRef>
-          </p:style>
-        </p:cxnSp>
-      </p:grpSp>
-      <p:grpSp>
-        <p:nvGrpSpPr>
-          <p:cNvPr id="41" name="Agrupar 40">
-            <a:extLst>
-              <a:ext uri="{FF2B5EF4-FFF2-40B4-BE49-F238E27FC236}">
-                <a16:creationId xmlns:a16="http://schemas.microsoft.com/office/drawing/2014/main" id="{A17C8957-18D0-628D-E20F-39D02C413E40}"/>
-              </a:ext>
-            </a:extLst>
-          </p:cNvPr>
-          <p:cNvGrpSpPr/>
-          <p:nvPr/>
-        </p:nvGrpSpPr>
-        <p:grpSpPr>
-          <a:xfrm>
-            <a:off x="1962518" y="951934"/>
-            <a:ext cx="3628489" cy="959494"/>
-            <a:chOff x="7121347" y="674883"/>
-            <a:chExt cx="3628489" cy="959494"/>
-          </a:xfrm>
-        </p:grpSpPr>
-        <p:sp>
-          <p:nvSpPr>
-            <p:cNvPr id="42" name="CaixaDeTexto 41">
-              <a:extLst>
-                <a:ext uri="{FF2B5EF4-FFF2-40B4-BE49-F238E27FC236}">
-                  <a16:creationId xmlns:a16="http://schemas.microsoft.com/office/drawing/2014/main" id="{59A6D229-5B6D-66A1-B5F9-A5DBFEF45886}"/>
-                </a:ext>
-              </a:extLst>
-            </p:cNvPr>
-            <p:cNvSpPr txBox="1"/>
-            <p:nvPr/>
-          </p:nvSpPr>
-          <p:spPr>
-            <a:xfrm>
-              <a:off x="7121347" y="905716"/>
-              <a:ext cx="1130438" cy="461665"/>
-            </a:xfrm>
-            <a:prstGeom prst="rect">
-              <a:avLst/>
-            </a:prstGeom>
-            <a:noFill/>
-          </p:spPr>
-          <p:txBody>
-            <a:bodyPr wrap="none" rtlCol="0">
-              <a:spAutoFit/>
-            </a:bodyPr>
-            <a:lstStyle/>
-            <a:p>
-              <a:r>
-                <a:rPr lang="pt-BR" sz="2400" dirty="0">
-                  <a:latin typeface="Nunito" pitchFamily="2" charset="77"/>
-                </a:rPr>
-                <a:t>delta =</a:t>
-              </a:r>
-            </a:p>
-          </p:txBody>
-        </p:sp>
-        <p:sp>
-          <p:nvSpPr>
-            <p:cNvPr id="43" name="CaixaDeTexto 42">
-              <a:extLst>
-                <a:ext uri="{FF2B5EF4-FFF2-40B4-BE49-F238E27FC236}">
-                  <a16:creationId xmlns:a16="http://schemas.microsoft.com/office/drawing/2014/main" id="{DA549154-8B22-CD05-4E05-CD1EBA762F29}"/>
-                </a:ext>
-              </a:extLst>
-            </p:cNvPr>
-            <p:cNvSpPr txBox="1"/>
-            <p:nvPr/>
-          </p:nvSpPr>
-          <p:spPr>
-            <a:xfrm>
-              <a:off x="8274478" y="674883"/>
-              <a:ext cx="2456122" cy="461665"/>
-            </a:xfrm>
-            <a:prstGeom prst="rect">
-              <a:avLst/>
-            </a:prstGeom>
-            <a:noFill/>
-          </p:spPr>
-          <p:txBody>
-            <a:bodyPr wrap="none" rtlCol="0">
-              <a:spAutoFit/>
-            </a:bodyPr>
-            <a:lstStyle/>
-            <a:p>
-              <a:r>
-                <a:rPr lang="pt-BR" sz="2400" dirty="0" err="1">
-                  <a:latin typeface="Nunito" pitchFamily="2" charset="77"/>
-                </a:rPr>
-                <a:t>Média</a:t>
-              </a:r>
-              <a:r>
-                <a:rPr lang="pt-BR" sz="2400" baseline="-25000" dirty="0" err="1">
-                  <a:latin typeface="Nunito" pitchFamily="2" charset="77"/>
-                </a:rPr>
-                <a:t>A</a:t>
-              </a:r>
-              <a:r>
-                <a:rPr lang="pt-BR" sz="2400" dirty="0">
-                  <a:latin typeface="Nunito" pitchFamily="2" charset="77"/>
-                </a:rPr>
-                <a:t> – </a:t>
-              </a:r>
-              <a:r>
-                <a:rPr lang="pt-BR" sz="2400" dirty="0" err="1">
-                  <a:latin typeface="Nunito" pitchFamily="2" charset="77"/>
-                </a:rPr>
-                <a:t>Média</a:t>
-              </a:r>
-              <a:r>
-                <a:rPr lang="pt-BR" sz="2400" baseline="-25000" dirty="0" err="1">
-                  <a:latin typeface="Nunito" pitchFamily="2" charset="77"/>
-                </a:rPr>
-                <a:t>B</a:t>
-              </a:r>
-              <a:endParaRPr lang="pt-BR" sz="2400" baseline="-25000" dirty="0">
-                <a:latin typeface="Nunito" pitchFamily="2" charset="77"/>
-              </a:endParaRPr>
-            </a:p>
-          </p:txBody>
-        </p:sp>
-        <p:sp>
-          <p:nvSpPr>
-            <p:cNvPr id="44" name="CaixaDeTexto 43">
-              <a:extLst>
-                <a:ext uri="{FF2B5EF4-FFF2-40B4-BE49-F238E27FC236}">
-                  <a16:creationId xmlns:a16="http://schemas.microsoft.com/office/drawing/2014/main" id="{62052191-6E31-5B11-9050-A53B6112685F}"/>
-                </a:ext>
-              </a:extLst>
-            </p:cNvPr>
-            <p:cNvSpPr txBox="1"/>
-            <p:nvPr/>
-          </p:nvSpPr>
-          <p:spPr>
-            <a:xfrm>
-              <a:off x="8805874" y="1172712"/>
-              <a:ext cx="1393330" cy="461665"/>
-            </a:xfrm>
-            <a:prstGeom prst="rect">
-              <a:avLst/>
-            </a:prstGeom>
-            <a:noFill/>
-          </p:spPr>
-          <p:txBody>
-            <a:bodyPr wrap="none" rtlCol="0">
-              <a:spAutoFit/>
-            </a:bodyPr>
-            <a:lstStyle/>
-            <a:p>
-              <a:r>
-                <a:rPr lang="pt-BR" sz="2400" dirty="0" err="1">
-                  <a:latin typeface="Nunito" pitchFamily="2" charset="77"/>
-                </a:rPr>
-                <a:t>DP</a:t>
-              </a:r>
-              <a:r>
-                <a:rPr lang="pt-BR" sz="2400" baseline="-25000" dirty="0" err="1">
-                  <a:latin typeface="Nunito" pitchFamily="2" charset="77"/>
-                </a:rPr>
-                <a:t>Controle</a:t>
-              </a:r>
-              <a:endParaRPr lang="pt-BR" sz="2400" baseline="-25000" dirty="0">
-                <a:latin typeface="Nunito" pitchFamily="2" charset="77"/>
-              </a:endParaRPr>
-            </a:p>
-          </p:txBody>
-        </p:sp>
-        <p:cxnSp>
-          <p:nvCxnSpPr>
-            <p:cNvPr id="45" name="Conector Reto 44">
-              <a:extLst>
-                <a:ext uri="{FF2B5EF4-FFF2-40B4-BE49-F238E27FC236}">
-                  <a16:creationId xmlns:a16="http://schemas.microsoft.com/office/drawing/2014/main" id="{B004F986-1710-2B72-1098-A4026CF91204}"/>
-                </a:ext>
-              </a:extLst>
-            </p:cNvPr>
-            <p:cNvCxnSpPr>
-              <a:cxnSpLocks/>
-            </p:cNvCxnSpPr>
-            <p:nvPr/>
-          </p:nvCxnSpPr>
-          <p:spPr>
-            <a:xfrm flipV="1">
-              <a:off x="8274478" y="1149995"/>
-              <a:ext cx="2475358" cy="1"/>
-            </a:xfrm>
-            <a:prstGeom prst="line">
-              <a:avLst/>
-            </a:prstGeom>
-            <a:ln w="28575">
-              <a:solidFill>
-                <a:schemeClr val="tx1"/>
-              </a:solidFill>
-            </a:ln>
-          </p:spPr>
-          <p:style>
-            <a:lnRef idx="1">
-              <a:schemeClr val="accent1"/>
-            </a:lnRef>
-            <a:fillRef idx="0">
-              <a:schemeClr val="accent1"/>
-            </a:fillRef>
-            <a:effectRef idx="0">
-              <a:schemeClr val="accent1"/>
-            </a:effectRef>
-            <a:fontRef idx="minor">
-              <a:schemeClr val="tx1"/>
-            </a:fontRef>
-          </p:style>
-        </p:cxnSp>
-      </p:grpSp>
-      <p:grpSp>
-        <p:nvGrpSpPr>
-          <p:cNvPr id="46" name="Agrupar 45">
-            <a:extLst>
-              <a:ext uri="{FF2B5EF4-FFF2-40B4-BE49-F238E27FC236}">
-                <a16:creationId xmlns:a16="http://schemas.microsoft.com/office/drawing/2014/main" id="{2FD58DB9-4B8D-9B55-EF67-5D156B576C3E}"/>
-              </a:ext>
-            </a:extLst>
-          </p:cNvPr>
-          <p:cNvGrpSpPr/>
-          <p:nvPr/>
-        </p:nvGrpSpPr>
-        <p:grpSpPr>
-          <a:xfrm>
-            <a:off x="1396167" y="4718529"/>
-            <a:ext cx="3628489" cy="964246"/>
-            <a:chOff x="7121347" y="674883"/>
-            <a:chExt cx="3628489" cy="964246"/>
-          </a:xfrm>
-        </p:grpSpPr>
-        <p:sp>
-          <p:nvSpPr>
-            <p:cNvPr id="47" name="CaixaDeTexto 46">
-              <a:extLst>
-                <a:ext uri="{FF2B5EF4-FFF2-40B4-BE49-F238E27FC236}">
-                  <a16:creationId xmlns:a16="http://schemas.microsoft.com/office/drawing/2014/main" id="{6DEA3610-DAFF-63C7-1212-84D205FB5C72}"/>
-                </a:ext>
-              </a:extLst>
-            </p:cNvPr>
-            <p:cNvSpPr txBox="1"/>
-            <p:nvPr/>
-          </p:nvSpPr>
-          <p:spPr>
-            <a:xfrm>
-              <a:off x="7121347" y="905716"/>
-              <a:ext cx="1130438" cy="461665"/>
-            </a:xfrm>
-            <a:prstGeom prst="rect">
-              <a:avLst/>
-            </a:prstGeom>
-            <a:noFill/>
-          </p:spPr>
-          <p:txBody>
-            <a:bodyPr wrap="none" rtlCol="0">
-              <a:spAutoFit/>
-            </a:bodyPr>
-            <a:lstStyle/>
-            <a:p>
-              <a:r>
-                <a:rPr lang="pt-BR" sz="2400" dirty="0">
-                  <a:latin typeface="Nunito" pitchFamily="2" charset="77"/>
-                </a:rPr>
-                <a:t>delta =</a:t>
-              </a:r>
-            </a:p>
-          </p:txBody>
-        </p:sp>
-        <p:sp>
-          <p:nvSpPr>
-            <p:cNvPr id="48" name="CaixaDeTexto 47">
-              <a:extLst>
-                <a:ext uri="{FF2B5EF4-FFF2-40B4-BE49-F238E27FC236}">
-                  <a16:creationId xmlns:a16="http://schemas.microsoft.com/office/drawing/2014/main" id="{BF338067-6BEF-C3CB-991C-D3997B68467F}"/>
-                </a:ext>
-              </a:extLst>
-            </p:cNvPr>
-            <p:cNvSpPr txBox="1"/>
-            <p:nvPr/>
-          </p:nvSpPr>
-          <p:spPr>
-            <a:xfrm>
-              <a:off x="8274478" y="674883"/>
-              <a:ext cx="2456122" cy="461665"/>
-            </a:xfrm>
-            <a:prstGeom prst="rect">
-              <a:avLst/>
-            </a:prstGeom>
-            <a:noFill/>
-          </p:spPr>
-          <p:txBody>
-            <a:bodyPr wrap="none" rtlCol="0">
-              <a:spAutoFit/>
-            </a:bodyPr>
-            <a:lstStyle/>
-            <a:p>
-              <a:r>
-                <a:rPr lang="pt-BR" sz="2400" dirty="0" err="1">
-                  <a:latin typeface="Nunito" pitchFamily="2" charset="77"/>
-                </a:rPr>
-                <a:t>Média</a:t>
-              </a:r>
-              <a:r>
-                <a:rPr lang="pt-BR" sz="2400" baseline="-25000" dirty="0" err="1">
-                  <a:latin typeface="Nunito" pitchFamily="2" charset="77"/>
-                </a:rPr>
-                <a:t>A</a:t>
-              </a:r>
-              <a:r>
-                <a:rPr lang="pt-BR" sz="2400" dirty="0">
-                  <a:latin typeface="Nunito" pitchFamily="2" charset="77"/>
-                </a:rPr>
-                <a:t> – </a:t>
-              </a:r>
-              <a:r>
-                <a:rPr lang="pt-BR" sz="2400" dirty="0" err="1">
-                  <a:latin typeface="Nunito" pitchFamily="2" charset="77"/>
-                </a:rPr>
-                <a:t>Média</a:t>
-              </a:r>
-              <a:r>
-                <a:rPr lang="pt-BR" sz="2400" baseline="-25000" dirty="0" err="1">
-                  <a:latin typeface="Nunito" pitchFamily="2" charset="77"/>
-                </a:rPr>
-                <a:t>B</a:t>
-              </a:r>
-              <a:endParaRPr lang="pt-BR" sz="2400" baseline="-25000" dirty="0">
-                <a:latin typeface="Nunito" pitchFamily="2" charset="77"/>
-              </a:endParaRPr>
-            </a:p>
-          </p:txBody>
-        </p:sp>
-        <p:sp>
-          <p:nvSpPr>
-            <p:cNvPr id="49" name="CaixaDeTexto 48">
-              <a:extLst>
-                <a:ext uri="{FF2B5EF4-FFF2-40B4-BE49-F238E27FC236}">
-                  <a16:creationId xmlns:a16="http://schemas.microsoft.com/office/drawing/2014/main" id="{9E01184B-85BD-BEC6-01C6-9E721DCFF702}"/>
-                </a:ext>
-              </a:extLst>
-            </p:cNvPr>
-            <p:cNvSpPr txBox="1"/>
-            <p:nvPr/>
-          </p:nvSpPr>
-          <p:spPr>
-            <a:xfrm>
-              <a:off x="9132085" y="1177464"/>
-              <a:ext cx="760144" cy="461665"/>
-            </a:xfrm>
-            <a:prstGeom prst="rect">
-              <a:avLst/>
-            </a:prstGeom>
-            <a:noFill/>
-          </p:spPr>
-          <p:txBody>
-            <a:bodyPr wrap="none" rtlCol="0">
-              <a:spAutoFit/>
-            </a:bodyPr>
-            <a:lstStyle/>
-            <a:p>
-              <a:r>
-                <a:rPr lang="pt-BR" sz="2400" dirty="0">
-                  <a:latin typeface="Nunito" pitchFamily="2" charset="77"/>
-                </a:rPr>
-                <a:t>DP</a:t>
-              </a:r>
-              <a:r>
-                <a:rPr lang="pt-BR" sz="2400" baseline="-25000" dirty="0">
-                  <a:latin typeface="Nunito" pitchFamily="2" charset="77"/>
-                </a:rPr>
-                <a:t>A</a:t>
-              </a:r>
-            </a:p>
-          </p:txBody>
-        </p:sp>
-        <p:cxnSp>
-          <p:nvCxnSpPr>
-            <p:cNvPr id="50" name="Conector Reto 49">
-              <a:extLst>
-                <a:ext uri="{FF2B5EF4-FFF2-40B4-BE49-F238E27FC236}">
-                  <a16:creationId xmlns:a16="http://schemas.microsoft.com/office/drawing/2014/main" id="{21D7CE4E-D7F2-9A03-1AD2-4B358DD13F1D}"/>
-                </a:ext>
-              </a:extLst>
-            </p:cNvPr>
-            <p:cNvCxnSpPr>
-              <a:cxnSpLocks/>
-            </p:cNvCxnSpPr>
-            <p:nvPr/>
-          </p:nvCxnSpPr>
-          <p:spPr>
-            <a:xfrm flipV="1">
-              <a:off x="8274478" y="1149995"/>
-              <a:ext cx="2475358" cy="1"/>
-            </a:xfrm>
-            <a:prstGeom prst="line">
-              <a:avLst/>
-            </a:prstGeom>
-            <a:ln w="28575">
-              <a:solidFill>
-                <a:schemeClr val="tx1"/>
-              </a:solidFill>
-            </a:ln>
-          </p:spPr>
-          <p:style>
-            <a:lnRef idx="1">
-              <a:schemeClr val="accent1"/>
-            </a:lnRef>
-            <a:fillRef idx="0">
-              <a:schemeClr val="accent1"/>
-            </a:fillRef>
-            <a:effectRef idx="0">
-              <a:schemeClr val="accent1"/>
-            </a:effectRef>
-            <a:fontRef idx="minor">
-              <a:schemeClr val="tx1"/>
-            </a:fontRef>
-          </p:style>
-        </p:cxnSp>
-      </p:grpSp>
-      <p:grpSp>
-        <p:nvGrpSpPr>
-          <p:cNvPr id="51" name="Agrupar 50">
-            <a:extLst>
-              <a:ext uri="{FF2B5EF4-FFF2-40B4-BE49-F238E27FC236}">
-                <a16:creationId xmlns:a16="http://schemas.microsoft.com/office/drawing/2014/main" id="{F52A49A7-53EE-B435-5773-3418DDD6C5B8}"/>
-              </a:ext>
-            </a:extLst>
-          </p:cNvPr>
-          <p:cNvGrpSpPr/>
-          <p:nvPr/>
-        </p:nvGrpSpPr>
-        <p:grpSpPr>
-          <a:xfrm>
-            <a:off x="6428661" y="4718529"/>
-            <a:ext cx="3628489" cy="964246"/>
-            <a:chOff x="7121347" y="674883"/>
-            <a:chExt cx="3628489" cy="964246"/>
-          </a:xfrm>
-        </p:grpSpPr>
-        <p:sp>
-          <p:nvSpPr>
-            <p:cNvPr id="52" name="CaixaDeTexto 51">
-              <a:extLst>
-                <a:ext uri="{FF2B5EF4-FFF2-40B4-BE49-F238E27FC236}">
-                  <a16:creationId xmlns:a16="http://schemas.microsoft.com/office/drawing/2014/main" id="{9013FC34-DDF6-38E2-AEAB-E55D8FE57FE3}"/>
-                </a:ext>
-              </a:extLst>
-            </p:cNvPr>
-            <p:cNvSpPr txBox="1"/>
-            <p:nvPr/>
-          </p:nvSpPr>
-          <p:spPr>
-            <a:xfrm>
-              <a:off x="7121347" y="905716"/>
-              <a:ext cx="1130438" cy="461665"/>
-            </a:xfrm>
-            <a:prstGeom prst="rect">
-              <a:avLst/>
-            </a:prstGeom>
-            <a:noFill/>
-          </p:spPr>
-          <p:txBody>
-            <a:bodyPr wrap="none" rtlCol="0">
-              <a:spAutoFit/>
-            </a:bodyPr>
-            <a:lstStyle/>
-            <a:p>
-              <a:r>
-                <a:rPr lang="pt-BR" sz="2400" dirty="0">
-                  <a:latin typeface="Nunito" pitchFamily="2" charset="77"/>
-                </a:rPr>
-                <a:t>delta =</a:t>
-              </a:r>
-            </a:p>
-          </p:txBody>
-        </p:sp>
-        <p:sp>
-          <p:nvSpPr>
-            <p:cNvPr id="53" name="CaixaDeTexto 52">
-              <a:extLst>
-                <a:ext uri="{FF2B5EF4-FFF2-40B4-BE49-F238E27FC236}">
-                  <a16:creationId xmlns:a16="http://schemas.microsoft.com/office/drawing/2014/main" id="{4F0049D3-6E94-EF5E-5398-3124AD3DFEC5}"/>
-                </a:ext>
-              </a:extLst>
-            </p:cNvPr>
-            <p:cNvSpPr txBox="1"/>
-            <p:nvPr/>
-          </p:nvSpPr>
-          <p:spPr>
-            <a:xfrm>
-              <a:off x="8274478" y="674883"/>
-              <a:ext cx="2456122" cy="461665"/>
-            </a:xfrm>
-            <a:prstGeom prst="rect">
-              <a:avLst/>
-            </a:prstGeom>
-            <a:noFill/>
-          </p:spPr>
-          <p:txBody>
-            <a:bodyPr wrap="none" rtlCol="0">
-              <a:spAutoFit/>
-            </a:bodyPr>
-            <a:lstStyle/>
-            <a:p>
-              <a:r>
-                <a:rPr lang="pt-BR" sz="2400" dirty="0" err="1">
-                  <a:latin typeface="Nunito" pitchFamily="2" charset="77"/>
-                </a:rPr>
-                <a:t>Média</a:t>
-              </a:r>
-              <a:r>
-                <a:rPr lang="pt-BR" sz="2400" baseline="-25000" dirty="0" err="1">
-                  <a:latin typeface="Nunito" pitchFamily="2" charset="77"/>
-                </a:rPr>
-                <a:t>A</a:t>
-              </a:r>
-              <a:r>
-                <a:rPr lang="pt-BR" sz="2400" dirty="0">
-                  <a:latin typeface="Nunito" pitchFamily="2" charset="77"/>
-                </a:rPr>
-                <a:t> – </a:t>
-              </a:r>
-              <a:r>
-                <a:rPr lang="pt-BR" sz="2400" dirty="0" err="1">
-                  <a:latin typeface="Nunito" pitchFamily="2" charset="77"/>
-                </a:rPr>
-                <a:t>Média</a:t>
-              </a:r>
-              <a:r>
-                <a:rPr lang="pt-BR" sz="2400" baseline="-25000" dirty="0" err="1">
-                  <a:latin typeface="Nunito" pitchFamily="2" charset="77"/>
-                </a:rPr>
-                <a:t>B</a:t>
-              </a:r>
-              <a:endParaRPr lang="pt-BR" sz="2400" baseline="-25000" dirty="0">
-                <a:latin typeface="Nunito" pitchFamily="2" charset="77"/>
-              </a:endParaRPr>
-            </a:p>
-          </p:txBody>
-        </p:sp>
-        <p:sp>
-          <p:nvSpPr>
-            <p:cNvPr id="54" name="CaixaDeTexto 53">
-              <a:extLst>
-                <a:ext uri="{FF2B5EF4-FFF2-40B4-BE49-F238E27FC236}">
-                  <a16:creationId xmlns:a16="http://schemas.microsoft.com/office/drawing/2014/main" id="{479E9962-316C-23C1-D962-A0DC1748DBDF}"/>
-                </a:ext>
-              </a:extLst>
-            </p:cNvPr>
-            <p:cNvSpPr txBox="1"/>
-            <p:nvPr/>
-          </p:nvSpPr>
-          <p:spPr>
-            <a:xfrm>
-              <a:off x="9132085" y="1177464"/>
-              <a:ext cx="748923" cy="461665"/>
-            </a:xfrm>
-            <a:prstGeom prst="rect">
-              <a:avLst/>
-            </a:prstGeom>
-            <a:noFill/>
-          </p:spPr>
-          <p:txBody>
-            <a:bodyPr wrap="none" rtlCol="0">
-              <a:spAutoFit/>
-            </a:bodyPr>
-            <a:lstStyle/>
-            <a:p>
-              <a:r>
-                <a:rPr lang="pt-BR" sz="2400" dirty="0">
-                  <a:latin typeface="Nunito" pitchFamily="2" charset="77"/>
-                </a:rPr>
-                <a:t>DP</a:t>
-              </a:r>
-              <a:r>
-                <a:rPr lang="pt-BR" sz="2400" baseline="-25000" dirty="0">
-                  <a:latin typeface="Nunito" pitchFamily="2" charset="77"/>
-                </a:rPr>
-                <a:t>B</a:t>
-              </a:r>
-            </a:p>
-          </p:txBody>
-        </p:sp>
-        <p:cxnSp>
-          <p:nvCxnSpPr>
-            <p:cNvPr id="55" name="Conector Reto 54">
-              <a:extLst>
-                <a:ext uri="{FF2B5EF4-FFF2-40B4-BE49-F238E27FC236}">
-                  <a16:creationId xmlns:a16="http://schemas.microsoft.com/office/drawing/2014/main" id="{708E2B72-0B20-C347-2194-618A2BAEE801}"/>
-                </a:ext>
-              </a:extLst>
-            </p:cNvPr>
-            <p:cNvCxnSpPr>
-              <a:cxnSpLocks/>
-            </p:cNvCxnSpPr>
-            <p:nvPr/>
-          </p:nvCxnSpPr>
-          <p:spPr>
-            <a:xfrm flipV="1">
-              <a:off x="8274478" y="1149995"/>
-              <a:ext cx="2475358" cy="1"/>
-            </a:xfrm>
-            <a:prstGeom prst="line">
-              <a:avLst/>
-            </a:prstGeom>
-            <a:ln w="28575">
-              <a:solidFill>
-                <a:schemeClr val="tx1"/>
-              </a:solidFill>
-            </a:ln>
-          </p:spPr>
-          <p:style>
-            <a:lnRef idx="1">
-              <a:schemeClr val="accent1"/>
-            </a:lnRef>
-            <a:fillRef idx="0">
-              <a:schemeClr val="accent1"/>
-            </a:fillRef>
-            <a:effectRef idx="0">
-              <a:schemeClr val="accent1"/>
-            </a:effectRef>
-            <a:fontRef idx="minor">
-              <a:schemeClr val="tx1"/>
-            </a:fontRef>
-          </p:style>
-        </p:cxnSp>
-      </p:grpSp>
-    </p:spTree>
-    <p:extLst>
-      <p:ext uri="{BB962C8B-B14F-4D97-AF65-F5344CB8AC3E}">
-        <p14:creationId xmlns:p14="http://schemas.microsoft.com/office/powerpoint/2010/main" val="4119309971"/>
-      </p:ext>
-    </p:extLst>
-  </p:cSld>
-  <p:clrMapOvr>
-    <a:masterClrMapping/>
-  </p:clrMapOvr>
-</p:sld>
-</file>
-
 <file path=ppt/theme/theme1.xml><?xml version="1.0" encoding="utf-8"?>
 <a:theme xmlns:a="http://schemas.openxmlformats.org/drawingml/2006/main" name="Tema do Office">
   <a:themeElements>
